--- a/Disused code/Misc/DLM_DFO/Lectures/2 Running DLMtool/L2b Simple run of DLMtool.pptx
+++ b/Disused code/Misc/DLM_DFO/Lectures/2 Running DLMtool/L2b Simple run of DLMtool.pptx
@@ -8,7 +8,7 @@
     <p:notesMasterId r:id="rId14"/>
   </p:notesMasterIdLst>
   <p:sldIdLst>
-    <p:sldId id="257" r:id="rId2"/>
+    <p:sldId id="298" r:id="rId2"/>
     <p:sldId id="258" r:id="rId3"/>
     <p:sldId id="267" r:id="rId4"/>
     <p:sldId id="289" r:id="rId5"/>
@@ -150,7 +150,7 @@
   </p:defaultTextStyle>
   <p:extLst>
     <p:ext uri="{EFAFB233-063F-42B5-8137-9DF3F51BA10A}">
-      <p15:sldGuideLst xmlns="" xmlns:p15="http://schemas.microsoft.com/office/powerpoint/2012/main">
+      <p15:sldGuideLst xmlns:p15="http://schemas.microsoft.com/office/powerpoint/2012/main">
         <p15:guide id="1" orient="horz" pos="2160">
           <p15:clr>
             <a:srgbClr val="A4A3A4"/>
@@ -165,6 +165,10 @@
     </p:ext>
   </p:extLst>
 </p:presentation>
+</file>
+
+<file path=ppt/revisionInfo.xml><?xml version="1.0" encoding="utf-8"?>
+<p1510:revInfo xmlns:a="http://schemas.openxmlformats.org/drawingml/2006/main" xmlns:r="http://schemas.openxmlformats.org/officeDocument/2006/relationships" xmlns:p1510="http://schemas.microsoft.com/office/powerpoint/2015/10/main"/>
 </file>
 
 <file path=ppt/notesMasters/notesMaster1.xml><?xml version="1.0" encoding="utf-8"?>
@@ -265,7 +269,7 @@
               <a:pPr>
                 <a:defRPr/>
               </a:pPr>
-              <a:t>2017-05-07</a:t>
+              <a:t>2017-10-18</a:t>
             </a:fld>
             <a:endParaRPr lang="en-CA"/>
           </a:p>
@@ -330,35 +334,35 @@
           <a:p>
             <a:pPr lvl="0"/>
             <a:r>
-              <a:rPr lang="en-US" noProof="0" smtClean="0"/>
+              <a:rPr lang="en-US" noProof="0"/>
               <a:t>Click to edit Master text styles</a:t>
             </a:r>
           </a:p>
           <a:p>
             <a:pPr lvl="1"/>
             <a:r>
-              <a:rPr lang="en-US" noProof="0" smtClean="0"/>
+              <a:rPr lang="en-US" noProof="0"/>
               <a:t>Second level</a:t>
             </a:r>
           </a:p>
           <a:p>
             <a:pPr lvl="2"/>
             <a:r>
-              <a:rPr lang="en-US" noProof="0" smtClean="0"/>
+              <a:rPr lang="en-US" noProof="0"/>
               <a:t>Third level</a:t>
             </a:r>
           </a:p>
           <a:p>
             <a:pPr lvl="3"/>
             <a:r>
-              <a:rPr lang="en-US" noProof="0" smtClean="0"/>
+              <a:rPr lang="en-US" noProof="0"/>
               <a:t>Fourth level</a:t>
             </a:r>
           </a:p>
           <a:p>
             <a:pPr lvl="4"/>
             <a:r>
-              <a:rPr lang="en-US" noProof="0" smtClean="0"/>
+              <a:rPr lang="en-US" noProof="0"/>
               <a:t>Fifth level</a:t>
             </a:r>
             <a:endParaRPr lang="en-CA" noProof="0"/>
@@ -735,7 +739,7 @@
           </a:lstStyle>
           <a:p>
             <a:r>
-              <a:rPr lang="en-US" smtClean="0"/>
+              <a:rPr lang="en-US"/>
               <a:t>Click to edit Master title style</a:t>
             </a:r>
             <a:endParaRPr lang="en-US" dirty="0"/>
@@ -831,7 +835,7 @@
           </a:lstStyle>
           <a:p>
             <a:r>
-              <a:rPr lang="en-US" smtClean="0"/>
+              <a:rPr lang="en-US"/>
               <a:t>Click to edit Master subtitle style</a:t>
             </a:r>
             <a:endParaRPr lang="en-US" dirty="0"/>
@@ -865,7 +869,7 @@
               <a:pPr>
                 <a:defRPr/>
               </a:pPr>
-              <a:t>5/7/2017</a:t>
+              <a:t>10/18/2017</a:t>
             </a:fld>
             <a:endParaRPr lang="en-US" dirty="0"/>
           </a:p>
@@ -1044,7 +1048,7 @@
           </a:lstStyle>
           <a:p>
             <a:r>
-              <a:rPr lang="en-US" smtClean="0"/>
+              <a:rPr lang="en-US"/>
               <a:t>Click to edit Master title style</a:t>
             </a:r>
             <a:endParaRPr lang="en-US" dirty="0"/>
@@ -1112,7 +1116,7 @@
           <a:p>
             <a:pPr lvl="0"/>
             <a:r>
-              <a:rPr lang="en-US" noProof="0" smtClean="0"/>
+              <a:rPr lang="en-US" noProof="0"/>
               <a:t>Click icon to add picture</a:t>
             </a:r>
             <a:endParaRPr lang="en-US" noProof="0" dirty="0"/>
@@ -1202,7 +1206,7 @@
           <a:p>
             <a:pPr lvl="0"/>
             <a:r>
-              <a:rPr lang="en-US" smtClean="0"/>
+              <a:rPr lang="en-US"/>
               <a:t>Click to edit Master text styles</a:t>
             </a:r>
           </a:p>
@@ -1235,7 +1239,7 @@
               <a:pPr>
                 <a:defRPr/>
               </a:pPr>
-              <a:t>5/7/2017</a:t>
+              <a:t>10/18/2017</a:t>
             </a:fld>
             <a:endParaRPr lang="en-US" dirty="0"/>
           </a:p>
@@ -1414,7 +1418,7 @@
           </a:lstStyle>
           <a:p>
             <a:r>
-              <a:rPr lang="en-US" smtClean="0"/>
+              <a:rPr lang="en-US"/>
               <a:t>Click to edit Master title style</a:t>
             </a:r>
             <a:endParaRPr lang="en-US" dirty="0"/>
@@ -1480,7 +1484,7 @@
           <a:p>
             <a:pPr lvl="0"/>
             <a:r>
-              <a:rPr lang="en-US" smtClean="0"/>
+              <a:rPr lang="en-US"/>
               <a:t>Click to edit Master text styles</a:t>
             </a:r>
           </a:p>
@@ -1513,7 +1517,7 @@
               <a:pPr>
                 <a:defRPr/>
               </a:pPr>
-              <a:t>5/7/2017</a:t>
+              <a:t>10/18/2017</a:t>
             </a:fld>
             <a:endParaRPr lang="en-US" dirty="0"/>
           </a:p>
@@ -1934,7 +1938,7 @@
           </a:lstStyle>
           <a:p>
             <a:r>
-              <a:rPr lang="en-US" smtClean="0"/>
+              <a:rPr lang="en-US"/>
               <a:t>Click to edit Master title style</a:t>
             </a:r>
             <a:endParaRPr lang="en-US" dirty="0"/>
@@ -2002,7 +2006,7 @@
           <a:p>
             <a:pPr lvl="0"/>
             <a:r>
-              <a:rPr lang="en-US" smtClean="0"/>
+              <a:rPr lang="en-US"/>
               <a:t>Click to edit Master text styles</a:t>
             </a:r>
           </a:p>
@@ -2069,7 +2073,7 @@
           <a:p>
             <a:pPr lvl="0"/>
             <a:r>
-              <a:rPr lang="en-US" smtClean="0"/>
+              <a:rPr lang="en-US"/>
               <a:t>Click to edit Master text styles</a:t>
             </a:r>
           </a:p>
@@ -2102,7 +2106,7 @@
               <a:pPr>
                 <a:defRPr/>
               </a:pPr>
-              <a:t>5/7/2017</a:t>
+              <a:t>10/18/2017</a:t>
             </a:fld>
             <a:endParaRPr lang="en-US" dirty="0"/>
           </a:p>
@@ -2283,7 +2287,7 @@
           </a:lstStyle>
           <a:p>
             <a:r>
-              <a:rPr lang="en-US" smtClean="0"/>
+              <a:rPr lang="en-US"/>
               <a:t>Click to edit Master title style</a:t>
             </a:r>
             <a:endParaRPr lang="en-US" dirty="0"/>
@@ -2349,7 +2353,7 @@
           <a:p>
             <a:pPr lvl="0"/>
             <a:r>
-              <a:rPr lang="en-US" smtClean="0"/>
+              <a:rPr lang="en-US"/>
               <a:t>Click to edit Master text styles</a:t>
             </a:r>
           </a:p>
@@ -2382,7 +2386,7 @@
               <a:pPr>
                 <a:defRPr/>
               </a:pPr>
-              <a:t>5/7/2017</a:t>
+              <a:t>10/18/2017</a:t>
             </a:fld>
             <a:endParaRPr lang="en-US" dirty="0"/>
           </a:p>
@@ -2557,7 +2561,7 @@
           <a:lstStyle/>
           <a:p>
             <a:r>
-              <a:rPr lang="en-US" smtClean="0"/>
+              <a:rPr lang="en-US"/>
               <a:t>Click to edit Master title style</a:t>
             </a:r>
             <a:endParaRPr lang="en-US" dirty="0"/>
@@ -2652,7 +2656,7 @@
           <a:p>
             <a:pPr lvl="0"/>
             <a:r>
-              <a:rPr lang="en-US" smtClean="0"/>
+              <a:rPr lang="en-US"/>
               <a:t>Click to edit Master text styles</a:t>
             </a:r>
           </a:p>
@@ -2719,7 +2723,7 @@
           <a:p>
             <a:pPr lvl="0"/>
             <a:r>
-              <a:rPr lang="en-US" smtClean="0"/>
+              <a:rPr lang="en-US"/>
               <a:t>Click to edit Master text styles</a:t>
             </a:r>
           </a:p>
@@ -2781,7 +2785,7 @@
           <a:p>
             <a:pPr lvl="0"/>
             <a:r>
-              <a:rPr lang="en-US" smtClean="0"/>
+              <a:rPr lang="en-US"/>
               <a:t>Click to edit Master text styles</a:t>
             </a:r>
           </a:p>
@@ -2848,7 +2852,7 @@
           <a:p>
             <a:pPr lvl="0"/>
             <a:r>
-              <a:rPr lang="en-US" smtClean="0"/>
+              <a:rPr lang="en-US"/>
               <a:t>Click to edit Master text styles</a:t>
             </a:r>
           </a:p>
@@ -2910,7 +2914,7 @@
           <a:p>
             <a:pPr lvl="0"/>
             <a:r>
-              <a:rPr lang="en-US" smtClean="0"/>
+              <a:rPr lang="en-US"/>
               <a:t>Click to edit Master text styles</a:t>
             </a:r>
           </a:p>
@@ -2977,7 +2981,7 @@
           <a:p>
             <a:pPr lvl="0"/>
             <a:r>
-              <a:rPr lang="en-US" smtClean="0"/>
+              <a:rPr lang="en-US"/>
               <a:t>Click to edit Master text styles</a:t>
             </a:r>
           </a:p>
@@ -3010,7 +3014,7 @@
               <a:pPr>
                 <a:defRPr/>
               </a:pPr>
-              <a:t>5/7/2017</a:t>
+              <a:t>10/18/2017</a:t>
             </a:fld>
             <a:endParaRPr lang="en-US" dirty="0"/>
           </a:p>
@@ -3185,7 +3189,7 @@
           <a:lstStyle/>
           <a:p>
             <a:r>
-              <a:rPr lang="en-US" smtClean="0"/>
+              <a:rPr lang="en-US"/>
               <a:t>Click to edit Master title style</a:t>
             </a:r>
             <a:endParaRPr lang="en-US" dirty="0"/>
@@ -3276,7 +3280,7 @@
           <a:p>
             <a:pPr lvl="0"/>
             <a:r>
-              <a:rPr lang="en-US" smtClean="0"/>
+              <a:rPr lang="en-US"/>
               <a:t>Click to edit Master text styles</a:t>
             </a:r>
           </a:p>
@@ -3355,7 +3359,7 @@
           <a:p>
             <a:pPr lvl="0"/>
             <a:r>
-              <a:rPr lang="en-US" noProof="0" smtClean="0"/>
+              <a:rPr lang="en-US" noProof="0"/>
               <a:t>Click icon to add picture</a:t>
             </a:r>
             <a:endParaRPr lang="en-US" noProof="0" dirty="0"/>
@@ -3423,7 +3427,7 @@
           <a:p>
             <a:pPr lvl="0"/>
             <a:r>
-              <a:rPr lang="en-US" smtClean="0"/>
+              <a:rPr lang="en-US"/>
               <a:t>Click to edit Master text styles</a:t>
             </a:r>
           </a:p>
@@ -3513,7 +3517,7 @@
           <a:p>
             <a:pPr lvl="0"/>
             <a:r>
-              <a:rPr lang="en-US" smtClean="0"/>
+              <a:rPr lang="en-US"/>
               <a:t>Click to edit Master text styles</a:t>
             </a:r>
           </a:p>
@@ -3592,7 +3596,7 @@
           <a:p>
             <a:pPr lvl="0"/>
             <a:r>
-              <a:rPr lang="en-US" noProof="0" smtClean="0"/>
+              <a:rPr lang="en-US" noProof="0"/>
               <a:t>Click icon to add picture</a:t>
             </a:r>
             <a:endParaRPr lang="en-US" noProof="0" dirty="0"/>
@@ -3660,7 +3664,7 @@
           <a:p>
             <a:pPr lvl="0"/>
             <a:r>
-              <a:rPr lang="en-US" smtClean="0"/>
+              <a:rPr lang="en-US"/>
               <a:t>Click to edit Master text styles</a:t>
             </a:r>
           </a:p>
@@ -3750,7 +3754,7 @@
           <a:p>
             <a:pPr lvl="0"/>
             <a:r>
-              <a:rPr lang="en-US" smtClean="0"/>
+              <a:rPr lang="en-US"/>
               <a:t>Click to edit Master text styles</a:t>
             </a:r>
           </a:p>
@@ -3829,7 +3833,7 @@
           <a:p>
             <a:pPr lvl="0"/>
             <a:r>
-              <a:rPr lang="en-US" noProof="0" smtClean="0"/>
+              <a:rPr lang="en-US" noProof="0"/>
               <a:t>Click icon to add picture</a:t>
             </a:r>
             <a:endParaRPr lang="en-US" noProof="0" dirty="0"/>
@@ -3897,7 +3901,7 @@
           <a:p>
             <a:pPr lvl="0"/>
             <a:r>
-              <a:rPr lang="en-US" smtClean="0"/>
+              <a:rPr lang="en-US"/>
               <a:t>Click to edit Master text styles</a:t>
             </a:r>
           </a:p>
@@ -3930,7 +3934,7 @@
               <a:pPr>
                 <a:defRPr/>
               </a:pPr>
-              <a:t>5/7/2017</a:t>
+              <a:t>10/18/2017</a:t>
             </a:fld>
             <a:endParaRPr lang="en-US" dirty="0"/>
           </a:p>
@@ -4100,7 +4104,7 @@
           <a:lstStyle/>
           <a:p>
             <a:r>
-              <a:rPr lang="en-US" smtClean="0"/>
+              <a:rPr lang="en-US"/>
               <a:t>Click to edit Master title style</a:t>
             </a:r>
             <a:endParaRPr lang="en-US" dirty="0"/>
@@ -4124,35 +4128,35 @@
           <a:p>
             <a:pPr lvl="0"/>
             <a:r>
-              <a:rPr lang="en-US" smtClean="0"/>
+              <a:rPr lang="en-US"/>
               <a:t>Click to edit Master text styles</a:t>
             </a:r>
           </a:p>
           <a:p>
             <a:pPr lvl="1"/>
             <a:r>
-              <a:rPr lang="en-US" smtClean="0"/>
+              <a:rPr lang="en-US"/>
               <a:t>Second level</a:t>
             </a:r>
           </a:p>
           <a:p>
             <a:pPr lvl="2"/>
             <a:r>
-              <a:rPr lang="en-US" smtClean="0"/>
+              <a:rPr lang="en-US"/>
               <a:t>Third level</a:t>
             </a:r>
           </a:p>
           <a:p>
             <a:pPr lvl="3"/>
             <a:r>
-              <a:rPr lang="en-US" smtClean="0"/>
+              <a:rPr lang="en-US"/>
               <a:t>Fourth level</a:t>
             </a:r>
           </a:p>
           <a:p>
             <a:pPr lvl="4"/>
             <a:r>
-              <a:rPr lang="en-US" smtClean="0"/>
+              <a:rPr lang="en-US"/>
               <a:t>Fifth level</a:t>
             </a:r>
             <a:endParaRPr lang="en-US" dirty="0"/>
@@ -4186,7 +4190,7 @@
               <a:pPr>
                 <a:defRPr/>
               </a:pPr>
-              <a:t>5/7/2017</a:t>
+              <a:t>10/18/2017</a:t>
             </a:fld>
             <a:endParaRPr lang="en-US" dirty="0"/>
           </a:p>
@@ -4361,7 +4365,7 @@
           <a:lstStyle/>
           <a:p>
             <a:r>
-              <a:rPr lang="en-US" smtClean="0"/>
+              <a:rPr lang="en-US"/>
               <a:t>Click to edit Master title style</a:t>
             </a:r>
             <a:endParaRPr lang="en-US" dirty="0"/>
@@ -4390,35 +4394,35 @@
           <a:p>
             <a:pPr lvl="0"/>
             <a:r>
-              <a:rPr lang="en-US" smtClean="0"/>
+              <a:rPr lang="en-US"/>
               <a:t>Click to edit Master text styles</a:t>
             </a:r>
           </a:p>
           <a:p>
             <a:pPr lvl="1"/>
             <a:r>
-              <a:rPr lang="en-US" smtClean="0"/>
+              <a:rPr lang="en-US"/>
               <a:t>Second level</a:t>
             </a:r>
           </a:p>
           <a:p>
             <a:pPr lvl="2"/>
             <a:r>
-              <a:rPr lang="en-US" smtClean="0"/>
+              <a:rPr lang="en-US"/>
               <a:t>Third level</a:t>
             </a:r>
           </a:p>
           <a:p>
             <a:pPr lvl="3"/>
             <a:r>
-              <a:rPr lang="en-US" smtClean="0"/>
+              <a:rPr lang="en-US"/>
               <a:t>Fourth level</a:t>
             </a:r>
           </a:p>
           <a:p>
             <a:pPr lvl="4"/>
             <a:r>
-              <a:rPr lang="en-US" smtClean="0"/>
+              <a:rPr lang="en-US"/>
               <a:t>Fifth level</a:t>
             </a:r>
             <a:endParaRPr lang="en-US" dirty="0"/>
@@ -4452,7 +4456,7 @@
               <a:pPr>
                 <a:defRPr/>
               </a:pPr>
-              <a:t>5/7/2017</a:t>
+              <a:t>10/18/2017</a:t>
             </a:fld>
             <a:endParaRPr lang="en-US" dirty="0"/>
           </a:p>
@@ -4622,10 +4626,9 @@
           </a:lstStyle>
           <a:p>
             <a:r>
-              <a:rPr lang="en-US" dirty="0" smtClean="0"/>
+              <a:rPr lang="en-US" dirty="0"/>
               <a:t>Click to edit Master title style</a:t>
             </a:r>
-            <a:endParaRPr lang="en-US" dirty="0"/>
           </a:p>
         </p:txBody>
       </p:sp>
@@ -4653,38 +4656,37 @@
           <a:p>
             <a:pPr lvl="0"/>
             <a:r>
-              <a:rPr lang="en-US" dirty="0" smtClean="0"/>
+              <a:rPr lang="en-US" dirty="0"/>
               <a:t>Click to edit Master text styles</a:t>
             </a:r>
           </a:p>
           <a:p>
             <a:pPr lvl="1"/>
             <a:r>
-              <a:rPr lang="en-US" dirty="0" smtClean="0"/>
+              <a:rPr lang="en-US" dirty="0"/>
               <a:t>Second level</a:t>
             </a:r>
           </a:p>
           <a:p>
             <a:pPr lvl="2"/>
             <a:r>
-              <a:rPr lang="en-US" dirty="0" smtClean="0"/>
+              <a:rPr lang="en-US" dirty="0"/>
               <a:t>Third level</a:t>
             </a:r>
           </a:p>
           <a:p>
             <a:pPr lvl="3"/>
             <a:r>
-              <a:rPr lang="en-US" dirty="0" smtClean="0"/>
+              <a:rPr lang="en-US" dirty="0"/>
               <a:t>Fourth level</a:t>
             </a:r>
           </a:p>
           <a:p>
             <a:pPr lvl="4"/>
             <a:r>
-              <a:rPr lang="en-US" dirty="0" smtClean="0"/>
+              <a:rPr lang="en-US" dirty="0"/>
               <a:t>Fifth level</a:t>
             </a:r>
-            <a:endParaRPr lang="en-US" dirty="0"/>
           </a:p>
         </p:txBody>
       </p:sp>
@@ -4715,7 +4717,7 @@
               <a:pPr>
                 <a:defRPr/>
               </a:pPr>
-              <a:t>5/7/2017</a:t>
+              <a:t>10/18/2017</a:t>
             </a:fld>
             <a:endParaRPr lang="en-US" dirty="0"/>
           </a:p>
@@ -4864,7 +4866,7 @@
           </a:lstStyle>
           <a:p>
             <a:r>
-              <a:rPr lang="en-US" smtClean="0"/>
+              <a:rPr lang="en-US"/>
               <a:t>Click to edit Master title style</a:t>
             </a:r>
             <a:endParaRPr lang="en-US" dirty="0"/>
@@ -4960,7 +4962,7 @@
           </a:lstStyle>
           <a:p>
             <a:r>
-              <a:rPr lang="en-US" smtClean="0"/>
+              <a:rPr lang="en-US"/>
               <a:t>Click to edit Master subtitle style</a:t>
             </a:r>
             <a:endParaRPr lang="en-US" dirty="0"/>
@@ -4994,7 +4996,7 @@
               <a:pPr>
                 <a:defRPr/>
               </a:pPr>
-              <a:t>5/7/2017</a:t>
+              <a:t>10/18/2017</a:t>
             </a:fld>
             <a:endParaRPr lang="en-US" dirty="0"/>
           </a:p>
@@ -5100,7 +5102,7 @@
           <a:lstStyle/>
           <a:p>
             <a:r>
-              <a:rPr lang="en-US" smtClean="0"/>
+              <a:rPr lang="en-US"/>
               <a:t>Click to edit Master title style</a:t>
             </a:r>
             <a:endParaRPr lang="en-US" dirty="0"/>
@@ -5129,35 +5131,35 @@
           <a:p>
             <a:pPr lvl="0"/>
             <a:r>
-              <a:rPr lang="en-US" smtClean="0"/>
+              <a:rPr lang="en-US"/>
               <a:t>Click to edit Master text styles</a:t>
             </a:r>
           </a:p>
           <a:p>
             <a:pPr lvl="1"/>
             <a:r>
-              <a:rPr lang="en-US" smtClean="0"/>
+              <a:rPr lang="en-US"/>
               <a:t>Second level</a:t>
             </a:r>
           </a:p>
           <a:p>
             <a:pPr lvl="2"/>
             <a:r>
-              <a:rPr lang="en-US" smtClean="0"/>
+              <a:rPr lang="en-US"/>
               <a:t>Third level</a:t>
             </a:r>
           </a:p>
           <a:p>
             <a:pPr lvl="3"/>
             <a:r>
-              <a:rPr lang="en-US" smtClean="0"/>
+              <a:rPr lang="en-US"/>
               <a:t>Fourth level</a:t>
             </a:r>
           </a:p>
           <a:p>
             <a:pPr lvl="4"/>
             <a:r>
-              <a:rPr lang="en-US" smtClean="0"/>
+              <a:rPr lang="en-US"/>
               <a:t>Fifth level</a:t>
             </a:r>
             <a:endParaRPr lang="en-US" dirty="0"/>
@@ -5186,35 +5188,35 @@
           <a:p>
             <a:pPr lvl="0"/>
             <a:r>
-              <a:rPr lang="en-US" smtClean="0"/>
+              <a:rPr lang="en-US"/>
               <a:t>Click to edit Master text styles</a:t>
             </a:r>
           </a:p>
           <a:p>
             <a:pPr lvl="1"/>
             <a:r>
-              <a:rPr lang="en-US" smtClean="0"/>
+              <a:rPr lang="en-US"/>
               <a:t>Second level</a:t>
             </a:r>
           </a:p>
           <a:p>
             <a:pPr lvl="2"/>
             <a:r>
-              <a:rPr lang="en-US" smtClean="0"/>
+              <a:rPr lang="en-US"/>
               <a:t>Third level</a:t>
             </a:r>
           </a:p>
           <a:p>
             <a:pPr lvl="3"/>
             <a:r>
-              <a:rPr lang="en-US" smtClean="0"/>
+              <a:rPr lang="en-US"/>
               <a:t>Fourth level</a:t>
             </a:r>
           </a:p>
           <a:p>
             <a:pPr lvl="4"/>
             <a:r>
-              <a:rPr lang="en-US" smtClean="0"/>
+              <a:rPr lang="en-US"/>
               <a:t>Fifth level</a:t>
             </a:r>
             <a:endParaRPr lang="en-US" dirty="0"/>
@@ -5248,7 +5250,7 @@
               <a:pPr>
                 <a:defRPr/>
               </a:pPr>
-              <a:t>5/7/2017</a:t>
+              <a:t>10/18/2017</a:t>
             </a:fld>
             <a:endParaRPr lang="en-US" dirty="0"/>
           </a:p>
@@ -5359,7 +5361,7 @@
           <a:lstStyle/>
           <a:p>
             <a:r>
-              <a:rPr lang="en-US" smtClean="0"/>
+              <a:rPr lang="en-US"/>
               <a:t>Click to edit Master title style</a:t>
             </a:r>
             <a:endParaRPr lang="en-US" dirty="0"/>
@@ -5454,7 +5456,7 @@
           <a:p>
             <a:pPr lvl="0"/>
             <a:r>
-              <a:rPr lang="en-US" smtClean="0"/>
+              <a:rPr lang="en-US"/>
               <a:t>Click to edit Master text styles</a:t>
             </a:r>
           </a:p>
@@ -5482,35 +5484,35 @@
           <a:p>
             <a:pPr lvl="0"/>
             <a:r>
-              <a:rPr lang="en-US" smtClean="0"/>
+              <a:rPr lang="en-US"/>
               <a:t>Click to edit Master text styles</a:t>
             </a:r>
           </a:p>
           <a:p>
             <a:pPr lvl="1"/>
             <a:r>
-              <a:rPr lang="en-US" smtClean="0"/>
+              <a:rPr lang="en-US"/>
               <a:t>Second level</a:t>
             </a:r>
           </a:p>
           <a:p>
             <a:pPr lvl="2"/>
             <a:r>
-              <a:rPr lang="en-US" smtClean="0"/>
+              <a:rPr lang="en-US"/>
               <a:t>Third level</a:t>
             </a:r>
           </a:p>
           <a:p>
             <a:pPr lvl="3"/>
             <a:r>
-              <a:rPr lang="en-US" smtClean="0"/>
+              <a:rPr lang="en-US"/>
               <a:t>Fourth level</a:t>
             </a:r>
           </a:p>
           <a:p>
             <a:pPr lvl="4"/>
             <a:r>
-              <a:rPr lang="en-US" smtClean="0"/>
+              <a:rPr lang="en-US"/>
               <a:t>Fifth level</a:t>
             </a:r>
             <a:endParaRPr lang="en-US" dirty="0"/>
@@ -5573,7 +5575,7 @@
           <a:p>
             <a:pPr lvl="0"/>
             <a:r>
-              <a:rPr lang="en-US" smtClean="0"/>
+              <a:rPr lang="en-US"/>
               <a:t>Click to edit Master text styles</a:t>
             </a:r>
           </a:p>
@@ -5601,35 +5603,35 @@
           <a:p>
             <a:pPr lvl="0"/>
             <a:r>
-              <a:rPr lang="en-US" smtClean="0"/>
+              <a:rPr lang="en-US"/>
               <a:t>Click to edit Master text styles</a:t>
             </a:r>
           </a:p>
           <a:p>
             <a:pPr lvl="1"/>
             <a:r>
-              <a:rPr lang="en-US" smtClean="0"/>
+              <a:rPr lang="en-US"/>
               <a:t>Second level</a:t>
             </a:r>
           </a:p>
           <a:p>
             <a:pPr lvl="2"/>
             <a:r>
-              <a:rPr lang="en-US" smtClean="0"/>
+              <a:rPr lang="en-US"/>
               <a:t>Third level</a:t>
             </a:r>
           </a:p>
           <a:p>
             <a:pPr lvl="3"/>
             <a:r>
-              <a:rPr lang="en-US" smtClean="0"/>
+              <a:rPr lang="en-US"/>
               <a:t>Fourth level</a:t>
             </a:r>
           </a:p>
           <a:p>
             <a:pPr lvl="4"/>
             <a:r>
-              <a:rPr lang="en-US" smtClean="0"/>
+              <a:rPr lang="en-US"/>
               <a:t>Fifth level</a:t>
             </a:r>
             <a:endParaRPr lang="en-US" dirty="0"/>
@@ -5663,7 +5665,7 @@
               <a:pPr>
                 <a:defRPr/>
               </a:pPr>
-              <a:t>5/7/2017</a:t>
+              <a:t>10/18/2017</a:t>
             </a:fld>
             <a:endParaRPr lang="en-US" dirty="0"/>
           </a:p>
@@ -5769,7 +5771,7 @@
           <a:lstStyle/>
           <a:p>
             <a:r>
-              <a:rPr lang="en-US" smtClean="0"/>
+              <a:rPr lang="en-US"/>
               <a:t>Click to edit Master title style</a:t>
             </a:r>
             <a:endParaRPr lang="en-US" dirty="0"/>
@@ -5803,7 +5805,7 @@
               <a:pPr>
                 <a:defRPr/>
               </a:pPr>
-              <a:t>5/7/2017</a:t>
+              <a:t>10/18/2017</a:t>
             </a:fld>
             <a:endParaRPr lang="en-US" dirty="0"/>
           </a:p>
@@ -5920,7 +5922,7 @@
               <a:pPr>
                 <a:defRPr/>
               </a:pPr>
-              <a:t>5/7/2017</a:t>
+              <a:t>10/18/2017</a:t>
             </a:fld>
             <a:endParaRPr lang="en-US" dirty="0"/>
           </a:p>
@@ -6035,7 +6037,7 @@
           </a:lstStyle>
           <a:p>
             <a:r>
-              <a:rPr lang="en-US" smtClean="0"/>
+              <a:rPr lang="en-US"/>
               <a:t>Click to edit Master title style</a:t>
             </a:r>
             <a:endParaRPr lang="en-US" dirty="0"/>
@@ -6064,35 +6066,35 @@
           <a:p>
             <a:pPr lvl="0"/>
             <a:r>
-              <a:rPr lang="en-US" smtClean="0"/>
+              <a:rPr lang="en-US"/>
               <a:t>Click to edit Master text styles</a:t>
             </a:r>
           </a:p>
           <a:p>
             <a:pPr lvl="1"/>
             <a:r>
-              <a:rPr lang="en-US" smtClean="0"/>
+              <a:rPr lang="en-US"/>
               <a:t>Second level</a:t>
             </a:r>
           </a:p>
           <a:p>
             <a:pPr lvl="2"/>
             <a:r>
-              <a:rPr lang="en-US" smtClean="0"/>
+              <a:rPr lang="en-US"/>
               <a:t>Third level</a:t>
             </a:r>
           </a:p>
           <a:p>
             <a:pPr lvl="3"/>
             <a:r>
-              <a:rPr lang="en-US" smtClean="0"/>
+              <a:rPr lang="en-US"/>
               <a:t>Fourth level</a:t>
             </a:r>
           </a:p>
           <a:p>
             <a:pPr lvl="4"/>
             <a:r>
-              <a:rPr lang="en-US" smtClean="0"/>
+              <a:rPr lang="en-US"/>
               <a:t>Fifth level</a:t>
             </a:r>
             <a:endParaRPr lang="en-US" dirty="0"/>
@@ -6184,7 +6186,7 @@
           <a:p>
             <a:pPr lvl="0"/>
             <a:r>
-              <a:rPr lang="en-US" smtClean="0"/>
+              <a:rPr lang="en-US"/>
               <a:t>Click to edit Master text styles</a:t>
             </a:r>
           </a:p>
@@ -6217,7 +6219,7 @@
               <a:pPr>
                 <a:defRPr/>
               </a:pPr>
-              <a:t>5/7/2017</a:t>
+              <a:t>10/18/2017</a:t>
             </a:fld>
             <a:endParaRPr lang="en-US" dirty="0"/>
           </a:p>
@@ -6332,7 +6334,7 @@
           </a:lstStyle>
           <a:p>
             <a:r>
-              <a:rPr lang="en-US" smtClean="0"/>
+              <a:rPr lang="en-US"/>
               <a:t>Click to edit Master title style</a:t>
             </a:r>
             <a:endParaRPr lang="en-US" dirty="0"/>
@@ -6400,7 +6402,7 @@
           <a:p>
             <a:pPr lvl="0"/>
             <a:r>
-              <a:rPr lang="en-US" noProof="0" smtClean="0"/>
+              <a:rPr lang="en-US" noProof="0"/>
               <a:t>Click icon to add picture</a:t>
             </a:r>
             <a:endParaRPr lang="en-US" noProof="0" dirty="0"/>
@@ -6492,7 +6494,7 @@
           <a:p>
             <a:pPr lvl="0"/>
             <a:r>
-              <a:rPr lang="en-US" smtClean="0"/>
+              <a:rPr lang="en-US"/>
               <a:t>Click to edit Master text styles</a:t>
             </a:r>
           </a:p>
@@ -6525,7 +6527,7 @@
               <a:pPr>
                 <a:defRPr/>
               </a:pPr>
-              <a:t>5/7/2017</a:t>
+              <a:t>10/18/2017</a:t>
             </a:fld>
             <a:endParaRPr lang="en-US" dirty="0"/>
           </a:p>
@@ -6675,7 +6677,7 @@
           <a:p>
             <a:pPr lvl="0"/>
             <a:r>
-              <a:rPr lang="en-US" altLang="en-US" smtClean="0"/>
+              <a:rPr lang="en-US" altLang="en-US"/>
               <a:t>Click to edit Master title style</a:t>
             </a:r>
           </a:p>
@@ -6733,35 +6735,35 @@
           <a:p>
             <a:pPr lvl="0"/>
             <a:r>
-              <a:rPr lang="en-US" altLang="en-US" smtClean="0"/>
+              <a:rPr lang="en-US" altLang="en-US"/>
               <a:t>Click to edit Master text styles</a:t>
             </a:r>
           </a:p>
           <a:p>
             <a:pPr lvl="1"/>
             <a:r>
-              <a:rPr lang="en-US" altLang="en-US" smtClean="0"/>
+              <a:rPr lang="en-US" altLang="en-US"/>
               <a:t>Second level</a:t>
             </a:r>
           </a:p>
           <a:p>
             <a:pPr lvl="2"/>
             <a:r>
-              <a:rPr lang="en-US" altLang="en-US" smtClean="0"/>
+              <a:rPr lang="en-US" altLang="en-US"/>
               <a:t>Third level</a:t>
             </a:r>
           </a:p>
           <a:p>
             <a:pPr lvl="3"/>
             <a:r>
-              <a:rPr lang="en-US" altLang="en-US" smtClean="0"/>
+              <a:rPr lang="en-US" altLang="en-US"/>
               <a:t>Fourth level</a:t>
             </a:r>
           </a:p>
           <a:p>
             <a:pPr lvl="4"/>
             <a:r>
-              <a:rPr lang="en-US" altLang="en-US" smtClean="0"/>
+              <a:rPr lang="en-US" altLang="en-US"/>
               <a:t>Fifth level</a:t>
             </a:r>
           </a:p>
@@ -6834,7 +6836,7 @@
               <a:pPr>
                 <a:defRPr/>
               </a:pPr>
-              <a:t>5/7/2017</a:t>
+              <a:t>10/18/2017</a:t>
             </a:fld>
             <a:endParaRPr lang="en-US" dirty="0"/>
           </a:p>
@@ -7444,10 +7446,12 @@
           <a:bodyPr rtlCol="0"/>
           <a:lstStyle/>
           <a:p>
-            <a:pPr algn="l" eaLnBrk="1" fontAlgn="auto" hangingPunct="1">
+            <a:pPr algn="l" fontAlgn="auto">
               <a:spcAft>
                 <a:spcPts val="0"/>
               </a:spcAft>
+              <a:buFont typeface="Arial" panose="020B0604020202020204" pitchFamily="34" charset="0"/>
+              <a:buNone/>
               <a:defRPr/>
             </a:pPr>
             <a:r>
@@ -7494,7 +7498,7 @@
       </p:pic>
       <p:pic>
         <p:nvPicPr>
-          <p:cNvPr id="19460" name="Picture 5"/>
+          <p:cNvPr id="11268" name="Picture 5"/>
           <p:cNvPicPr>
             <a:picLocks noChangeAspect="1"/>
           </p:cNvPicPr>
@@ -7548,14 +7552,14 @@
       </p:pic>
       <p:pic>
         <p:nvPicPr>
-          <p:cNvPr id="19461" name="Picture 8"/>
+          <p:cNvPr id="11269" name="Picture 8"/>
           <p:cNvPicPr>
             <a:picLocks noChangeAspect="1"/>
           </p:cNvPicPr>
           <p:nvPr/>
         </p:nvPicPr>
         <p:blipFill>
-          <a:blip r:embed="rId4">
+          <a:blip r:embed="rId4" cstate="print">
             <a:extLst>
               <a:ext uri="{28A0092B-C50C-407E-A947-70E740481C1C}">
                 <a14:useLocalDpi xmlns:a14="http://schemas.microsoft.com/office/drawing/2010/main" val="0"/>
@@ -7602,7 +7606,7 @@
       </p:pic>
       <p:sp>
         <p:nvSpPr>
-          <p:cNvPr id="19462" name="TextBox 9"/>
+          <p:cNvPr id="11270" name="TextBox 9"/>
           <p:cNvSpPr txBox="1">
             <a:spLocks noChangeArrowheads="1"/>
           </p:cNvSpPr>
@@ -7611,7 +7615,7 @@
         <p:spPr bwMode="auto">
           <a:xfrm>
             <a:off x="2849563" y="5278438"/>
-            <a:ext cx="4192587" cy="969962"/>
+            <a:ext cx="4192587" cy="677108"/>
           </a:xfrm>
           <a:prstGeom prst="rect">
             <a:avLst/>
@@ -7645,224 +7649,150 @@
             <a:spAutoFit/>
           </a:bodyPr>
           <a:lstStyle>
-            <a:lvl1pPr defTabSz="457200" eaLnBrk="0" hangingPunct="0">
-              <a:lnSpc>
-                <a:spcPct val="90000"/>
-              </a:lnSpc>
-              <a:spcBef>
-                <a:spcPts val="750"/>
-              </a:spcBef>
-              <a:buFont typeface="Arial" panose="020B0604020202020204" pitchFamily="34" charset="0"/>
-              <a:buChar char="•"/>
-              <a:defRPr sz="2400">
-                <a:solidFill>
-                  <a:srgbClr val="126D96"/>
-                </a:solidFill>
-                <a:latin typeface="Corbel" panose="020B0503020204020204" pitchFamily="34" charset="0"/>
+            <a:lvl1pPr>
+              <a:defRPr>
+                <a:solidFill>
+                  <a:schemeClr val="tx1"/>
+                </a:solidFill>
+                <a:latin typeface="Corbel" pitchFamily="34" charset="0"/>
               </a:defRPr>
             </a:lvl1pPr>
-            <a:lvl2pPr marL="742950" indent="-285750" defTabSz="457200" eaLnBrk="0" hangingPunct="0">
-              <a:lnSpc>
-                <a:spcPct val="90000"/>
-              </a:lnSpc>
-              <a:spcBef>
-                <a:spcPts val="375"/>
-              </a:spcBef>
-              <a:buFont typeface="Arial" panose="020B0604020202020204" pitchFamily="34" charset="0"/>
-              <a:buChar char="•"/>
-              <a:defRPr sz="2000">
-                <a:solidFill>
-                  <a:srgbClr val="126D96"/>
-                </a:solidFill>
-                <a:latin typeface="Corbel" panose="020B0503020204020204" pitchFamily="34" charset="0"/>
+            <a:lvl2pPr marL="742950" indent="-285750">
+              <a:defRPr>
+                <a:solidFill>
+                  <a:schemeClr val="tx1"/>
+                </a:solidFill>
+                <a:latin typeface="Corbel" pitchFamily="34" charset="0"/>
               </a:defRPr>
             </a:lvl2pPr>
-            <a:lvl3pPr marL="1143000" indent="-228600" defTabSz="457200" eaLnBrk="0" hangingPunct="0">
-              <a:lnSpc>
-                <a:spcPct val="90000"/>
-              </a:lnSpc>
-              <a:spcBef>
-                <a:spcPts val="375"/>
-              </a:spcBef>
-              <a:buFont typeface="Arial" panose="020B0604020202020204" pitchFamily="34" charset="0"/>
-              <a:buChar char="•"/>
-              <a:defRPr sz="1600">
-                <a:solidFill>
-                  <a:srgbClr val="126D96"/>
-                </a:solidFill>
-                <a:latin typeface="Corbel" panose="020B0503020204020204" pitchFamily="34" charset="0"/>
+            <a:lvl3pPr marL="1143000" indent="-228600">
+              <a:defRPr>
+                <a:solidFill>
+                  <a:schemeClr val="tx1"/>
+                </a:solidFill>
+                <a:latin typeface="Corbel" pitchFamily="34" charset="0"/>
               </a:defRPr>
             </a:lvl3pPr>
-            <a:lvl4pPr marL="1600200" indent="-228600" defTabSz="457200" eaLnBrk="0" hangingPunct="0">
-              <a:lnSpc>
-                <a:spcPct val="90000"/>
-              </a:lnSpc>
-              <a:spcBef>
-                <a:spcPts val="375"/>
-              </a:spcBef>
-              <a:buFont typeface="Arial" panose="020B0604020202020204" pitchFamily="34" charset="0"/>
-              <a:buChar char="•"/>
-              <a:defRPr sz="1400">
-                <a:solidFill>
-                  <a:srgbClr val="126D96"/>
-                </a:solidFill>
-                <a:latin typeface="Corbel" panose="020B0503020204020204" pitchFamily="34" charset="0"/>
+            <a:lvl4pPr marL="1600200" indent="-228600">
+              <a:defRPr>
+                <a:solidFill>
+                  <a:schemeClr val="tx1"/>
+                </a:solidFill>
+                <a:latin typeface="Corbel" pitchFamily="34" charset="0"/>
               </a:defRPr>
             </a:lvl4pPr>
-            <a:lvl5pPr marL="2057400" indent="-228600" defTabSz="457200" eaLnBrk="0" hangingPunct="0">
-              <a:lnSpc>
-                <a:spcPct val="90000"/>
-              </a:lnSpc>
-              <a:spcBef>
-                <a:spcPts val="375"/>
-              </a:spcBef>
-              <a:buFont typeface="Arial" panose="020B0604020202020204" pitchFamily="34" charset="0"/>
-              <a:buChar char="•"/>
-              <a:defRPr sz="1400">
-                <a:solidFill>
-                  <a:srgbClr val="126D96"/>
-                </a:solidFill>
-                <a:latin typeface="Corbel" panose="020B0503020204020204" pitchFamily="34" charset="0"/>
+            <a:lvl5pPr marL="2057400" indent="-228600">
+              <a:defRPr>
+                <a:solidFill>
+                  <a:schemeClr val="tx1"/>
+                </a:solidFill>
+                <a:latin typeface="Corbel" pitchFamily="34" charset="0"/>
               </a:defRPr>
             </a:lvl5pPr>
-            <a:lvl6pPr marL="2514600" indent="-228600" defTabSz="457200" eaLnBrk="0" fontAlgn="base" hangingPunct="0">
-              <a:lnSpc>
-                <a:spcPct val="90000"/>
-              </a:lnSpc>
+            <a:lvl6pPr marL="2514600" indent="-228600" defTabSz="457200" fontAlgn="base">
               <a:spcBef>
-                <a:spcPts val="375"/>
+                <a:spcPct val="0"/>
               </a:spcBef>
               <a:spcAft>
                 <a:spcPct val="0"/>
               </a:spcAft>
-              <a:buFont typeface="Arial" panose="020B0604020202020204" pitchFamily="34" charset="0"/>
-              <a:buChar char="•"/>
-              <a:defRPr sz="1400">
-                <a:solidFill>
-                  <a:srgbClr val="126D96"/>
-                </a:solidFill>
-                <a:latin typeface="Corbel" panose="020B0503020204020204" pitchFamily="34" charset="0"/>
+              <a:defRPr>
+                <a:solidFill>
+                  <a:schemeClr val="tx1"/>
+                </a:solidFill>
+                <a:latin typeface="Corbel" pitchFamily="34" charset="0"/>
               </a:defRPr>
             </a:lvl6pPr>
-            <a:lvl7pPr marL="2971800" indent="-228600" defTabSz="457200" eaLnBrk="0" fontAlgn="base" hangingPunct="0">
-              <a:lnSpc>
-                <a:spcPct val="90000"/>
-              </a:lnSpc>
+            <a:lvl7pPr marL="2971800" indent="-228600" defTabSz="457200" fontAlgn="base">
               <a:spcBef>
-                <a:spcPts val="375"/>
+                <a:spcPct val="0"/>
               </a:spcBef>
               <a:spcAft>
                 <a:spcPct val="0"/>
               </a:spcAft>
-              <a:buFont typeface="Arial" panose="020B0604020202020204" pitchFamily="34" charset="0"/>
-              <a:buChar char="•"/>
-              <a:defRPr sz="1400">
-                <a:solidFill>
-                  <a:srgbClr val="126D96"/>
-                </a:solidFill>
-                <a:latin typeface="Corbel" panose="020B0503020204020204" pitchFamily="34" charset="0"/>
+              <a:defRPr>
+                <a:solidFill>
+                  <a:schemeClr val="tx1"/>
+                </a:solidFill>
+                <a:latin typeface="Corbel" pitchFamily="34" charset="0"/>
               </a:defRPr>
             </a:lvl7pPr>
-            <a:lvl8pPr marL="3429000" indent="-228600" defTabSz="457200" eaLnBrk="0" fontAlgn="base" hangingPunct="0">
-              <a:lnSpc>
-                <a:spcPct val="90000"/>
-              </a:lnSpc>
+            <a:lvl8pPr marL="3429000" indent="-228600" defTabSz="457200" fontAlgn="base">
               <a:spcBef>
-                <a:spcPts val="375"/>
+                <a:spcPct val="0"/>
               </a:spcBef>
               <a:spcAft>
                 <a:spcPct val="0"/>
               </a:spcAft>
-              <a:buFont typeface="Arial" panose="020B0604020202020204" pitchFamily="34" charset="0"/>
-              <a:buChar char="•"/>
-              <a:defRPr sz="1400">
-                <a:solidFill>
-                  <a:srgbClr val="126D96"/>
-                </a:solidFill>
-                <a:latin typeface="Corbel" panose="020B0503020204020204" pitchFamily="34" charset="0"/>
+              <a:defRPr>
+                <a:solidFill>
+                  <a:schemeClr val="tx1"/>
+                </a:solidFill>
+                <a:latin typeface="Corbel" pitchFamily="34" charset="0"/>
               </a:defRPr>
             </a:lvl8pPr>
-            <a:lvl9pPr marL="3886200" indent="-228600" defTabSz="457200" eaLnBrk="0" fontAlgn="base" hangingPunct="0">
-              <a:lnSpc>
-                <a:spcPct val="90000"/>
-              </a:lnSpc>
+            <a:lvl9pPr marL="3886200" indent="-228600" defTabSz="457200" fontAlgn="base">
               <a:spcBef>
-                <a:spcPts val="375"/>
+                <a:spcPct val="0"/>
               </a:spcBef>
               <a:spcAft>
                 <a:spcPct val="0"/>
               </a:spcAft>
-              <a:buFont typeface="Arial" panose="020B0604020202020204" pitchFamily="34" charset="0"/>
-              <a:buChar char="•"/>
-              <a:defRPr sz="1400">
-                <a:solidFill>
-                  <a:srgbClr val="126D96"/>
-                </a:solidFill>
-                <a:latin typeface="Corbel" panose="020B0503020204020204" pitchFamily="34" charset="0"/>
+              <a:defRPr>
+                <a:solidFill>
+                  <a:schemeClr val="tx1"/>
+                </a:solidFill>
+                <a:latin typeface="Corbel" pitchFamily="34" charset="0"/>
               </a:defRPr>
             </a:lvl9pPr>
           </a:lstStyle>
           <a:p>
-            <a:pPr algn="r" eaLnBrk="1" hangingPunct="1">
-              <a:lnSpc>
-                <a:spcPct val="100000"/>
-              </a:lnSpc>
-              <a:spcBef>
-                <a:spcPct val="0"/>
-              </a:spcBef>
-              <a:buFontTx/>
-              <a:buNone/>
-            </a:pPr>
-            <a:r>
-              <a:rPr lang="en-CA" altLang="en-US" sz="1900"/>
-              <a:t>Tom Carruthers  &amp;  Adrian Hordyk     </a:t>
-            </a:r>
-            <a:r>
-              <a:rPr lang="en-CA" altLang="en-US" sz="1900">
-                <a:solidFill>
-                  <a:srgbClr val="FFFFFF"/>
+            <a:pPr algn="r"/>
+            <a:r>
+              <a:rPr lang="en-CA" altLang="en-US" sz="1900" dirty="0">
+                <a:solidFill>
+                  <a:srgbClr val="126D96"/>
                 </a:solidFill>
               </a:rPr>
+              <a:t>Tom Carruthers  &amp;  Adrian </a:t>
+            </a:r>
+            <a:r>
+              <a:rPr lang="en-CA" altLang="en-US" sz="1900" dirty="0" err="1">
+                <a:solidFill>
+                  <a:srgbClr val="126D96"/>
+                </a:solidFill>
+              </a:rPr>
+              <a:t>Hordyk</a:t>
+            </a:r>
+            <a:r>
+              <a:rPr lang="en-CA" altLang="en-US" sz="1900" dirty="0">
+                <a:solidFill>
+                  <a:srgbClr val="126D96"/>
+                </a:solidFill>
+              </a:rPr>
+              <a:t>     </a:t>
+            </a:r>
+            <a:r>
+              <a:rPr lang="en-CA" altLang="en-US" sz="1900" dirty="0"/>
               <a:t>.</a:t>
             </a:r>
           </a:p>
           <a:p>
-            <a:pPr algn="r" eaLnBrk="1" hangingPunct="1">
-              <a:lnSpc>
-                <a:spcPct val="100000"/>
-              </a:lnSpc>
-              <a:spcBef>
-                <a:spcPct val="0"/>
-              </a:spcBef>
-              <a:buFontTx/>
-              <a:buNone/>
-            </a:pPr>
-            <a:r>
-              <a:rPr lang="en-CA" altLang="en-US" sz="1900"/>
+            <a:pPr algn="r"/>
+            <a:r>
+              <a:rPr lang="en-CA" altLang="en-US" sz="1900" dirty="0">
+                <a:solidFill>
+                  <a:srgbClr val="126D96"/>
+                </a:solidFill>
+              </a:rPr>
               <a:t> </a:t>
             </a:r>
           </a:p>
-          <a:p>
-            <a:pPr algn="r" eaLnBrk="1" hangingPunct="1">
-              <a:lnSpc>
-                <a:spcPct val="100000"/>
-              </a:lnSpc>
-              <a:spcBef>
-                <a:spcPct val="0"/>
-              </a:spcBef>
-              <a:buFontTx/>
-              <a:buNone/>
-            </a:pPr>
-            <a:r>
-              <a:rPr lang="en-CA" altLang="en-US" sz="1900"/>
-              <a:t>Nicolas Gutierrez</a:t>
-            </a:r>
-          </a:p>
-        </p:txBody>
-      </p:sp>
-      <p:sp>
-        <p:nvSpPr>
-          <p:cNvPr id="19463" name="Subtitle 2"/>
+        </p:txBody>
+      </p:sp>
+      <p:sp>
+        <p:nvSpPr>
+          <p:cNvPr id="11271" name="Subtitle 2"/>
           <p:cNvSpPr txBox="1">
             <a:spLocks/>
           </p:cNvSpPr>
@@ -7870,8 +7800,8 @@
         </p:nvSpPr>
         <p:spPr bwMode="auto">
           <a:xfrm>
-            <a:off x="1935163" y="3232150"/>
-            <a:ext cx="5949950" cy="677863"/>
+            <a:off x="1935162" y="3259932"/>
+            <a:ext cx="5517157" cy="677862"/>
           </a:xfrm>
           <a:prstGeom prst="rect">
             <a:avLst/>
@@ -7903,87 +7833,87 @@
         <p:txBody>
           <a:bodyPr/>
           <a:lstStyle>
-            <a:lvl1pPr eaLnBrk="0" hangingPunct="0">
+            <a:lvl1pPr>
               <a:lnSpc>
                 <a:spcPct val="90000"/>
               </a:lnSpc>
               <a:spcBef>
                 <a:spcPts val="750"/>
               </a:spcBef>
-              <a:buFont typeface="Arial" panose="020B0604020202020204" pitchFamily="34" charset="0"/>
+              <a:buFont typeface="Arial" charset="0"/>
               <a:buChar char="•"/>
               <a:defRPr sz="2400">
                 <a:solidFill>
                   <a:srgbClr val="126D96"/>
                 </a:solidFill>
-                <a:latin typeface="Corbel" panose="020B0503020204020204" pitchFamily="34" charset="0"/>
+                <a:latin typeface="Corbel" pitchFamily="34" charset="0"/>
               </a:defRPr>
             </a:lvl1pPr>
-            <a:lvl2pPr marL="514350" indent="-171450" eaLnBrk="0" hangingPunct="0">
+            <a:lvl2pPr>
               <a:lnSpc>
                 <a:spcPct val="90000"/>
               </a:lnSpc>
               <a:spcBef>
                 <a:spcPts val="375"/>
               </a:spcBef>
-              <a:buFont typeface="Arial" panose="020B0604020202020204" pitchFamily="34" charset="0"/>
+              <a:buFont typeface="Arial" charset="0"/>
               <a:buChar char="•"/>
               <a:defRPr sz="2000">
                 <a:solidFill>
                   <a:srgbClr val="126D96"/>
                 </a:solidFill>
-                <a:latin typeface="Corbel" panose="020B0503020204020204" pitchFamily="34" charset="0"/>
+                <a:latin typeface="Corbel" pitchFamily="34" charset="0"/>
               </a:defRPr>
             </a:lvl2pPr>
-            <a:lvl3pPr marL="857250" indent="-171450" eaLnBrk="0" hangingPunct="0">
+            <a:lvl3pPr>
               <a:lnSpc>
                 <a:spcPct val="90000"/>
               </a:lnSpc>
               <a:spcBef>
                 <a:spcPts val="375"/>
               </a:spcBef>
-              <a:buFont typeface="Arial" panose="020B0604020202020204" pitchFamily="34" charset="0"/>
+              <a:buFont typeface="Arial" charset="0"/>
               <a:buChar char="•"/>
               <a:defRPr sz="1600">
                 <a:solidFill>
                   <a:srgbClr val="126D96"/>
                 </a:solidFill>
-                <a:latin typeface="Corbel" panose="020B0503020204020204" pitchFamily="34" charset="0"/>
+                <a:latin typeface="Corbel" pitchFamily="34" charset="0"/>
               </a:defRPr>
             </a:lvl3pPr>
-            <a:lvl4pPr marL="1200150" indent="-171450" eaLnBrk="0" hangingPunct="0">
+            <a:lvl4pPr>
               <a:lnSpc>
                 <a:spcPct val="90000"/>
               </a:lnSpc>
               <a:spcBef>
                 <a:spcPts val="375"/>
               </a:spcBef>
-              <a:buFont typeface="Arial" panose="020B0604020202020204" pitchFamily="34" charset="0"/>
+              <a:buFont typeface="Arial" charset="0"/>
               <a:buChar char="•"/>
               <a:defRPr sz="1400">
                 <a:solidFill>
                   <a:srgbClr val="126D96"/>
                 </a:solidFill>
-                <a:latin typeface="Corbel" panose="020B0503020204020204" pitchFamily="34" charset="0"/>
+                <a:latin typeface="Corbel" pitchFamily="34" charset="0"/>
               </a:defRPr>
             </a:lvl4pPr>
-            <a:lvl5pPr marL="1543050" indent="-171450" eaLnBrk="0" hangingPunct="0">
+            <a:lvl5pPr>
               <a:lnSpc>
                 <a:spcPct val="90000"/>
               </a:lnSpc>
               <a:spcBef>
                 <a:spcPts val="375"/>
               </a:spcBef>
-              <a:buFont typeface="Arial" panose="020B0604020202020204" pitchFamily="34" charset="0"/>
+              <a:buFont typeface="Arial" charset="0"/>
               <a:buChar char="•"/>
               <a:defRPr sz="1400">
                 <a:solidFill>
                   <a:srgbClr val="126D96"/>
                 </a:solidFill>
-                <a:latin typeface="Corbel" panose="020B0503020204020204" pitchFamily="34" charset="0"/>
+                <a:latin typeface="Corbel" pitchFamily="34" charset="0"/>
               </a:defRPr>
             </a:lvl5pPr>
-            <a:lvl6pPr marL="2000250" indent="-171450" eaLnBrk="0" fontAlgn="base" hangingPunct="0">
+            <a:lvl6pPr fontAlgn="base">
               <a:lnSpc>
                 <a:spcPct val="90000"/>
               </a:lnSpc>
@@ -7993,16 +7923,16 @@
               <a:spcAft>
                 <a:spcPct val="0"/>
               </a:spcAft>
-              <a:buFont typeface="Arial" panose="020B0604020202020204" pitchFamily="34" charset="0"/>
+              <a:buFont typeface="Arial" charset="0"/>
               <a:buChar char="•"/>
               <a:defRPr sz="1400">
                 <a:solidFill>
                   <a:srgbClr val="126D96"/>
                 </a:solidFill>
-                <a:latin typeface="Corbel" panose="020B0503020204020204" pitchFamily="34" charset="0"/>
+                <a:latin typeface="Corbel" pitchFamily="34" charset="0"/>
               </a:defRPr>
             </a:lvl6pPr>
-            <a:lvl7pPr marL="2457450" indent="-171450" eaLnBrk="0" fontAlgn="base" hangingPunct="0">
+            <a:lvl7pPr fontAlgn="base">
               <a:lnSpc>
                 <a:spcPct val="90000"/>
               </a:lnSpc>
@@ -8012,16 +7942,16 @@
               <a:spcAft>
                 <a:spcPct val="0"/>
               </a:spcAft>
-              <a:buFont typeface="Arial" panose="020B0604020202020204" pitchFamily="34" charset="0"/>
+              <a:buFont typeface="Arial" charset="0"/>
               <a:buChar char="•"/>
               <a:defRPr sz="1400">
                 <a:solidFill>
                   <a:srgbClr val="126D96"/>
                 </a:solidFill>
-                <a:latin typeface="Corbel" panose="020B0503020204020204" pitchFamily="34" charset="0"/>
+                <a:latin typeface="Corbel" pitchFamily="34" charset="0"/>
               </a:defRPr>
             </a:lvl7pPr>
-            <a:lvl8pPr marL="2914650" indent="-171450" eaLnBrk="0" fontAlgn="base" hangingPunct="0">
+            <a:lvl8pPr fontAlgn="base">
               <a:lnSpc>
                 <a:spcPct val="90000"/>
               </a:lnSpc>
@@ -8031,16 +7961,16 @@
               <a:spcAft>
                 <a:spcPct val="0"/>
               </a:spcAft>
-              <a:buFont typeface="Arial" panose="020B0604020202020204" pitchFamily="34" charset="0"/>
+              <a:buFont typeface="Arial" charset="0"/>
               <a:buChar char="•"/>
               <a:defRPr sz="1400">
                 <a:solidFill>
                   <a:srgbClr val="126D96"/>
                 </a:solidFill>
-                <a:latin typeface="Corbel" panose="020B0503020204020204" pitchFamily="34" charset="0"/>
+                <a:latin typeface="Corbel" pitchFamily="34" charset="0"/>
               </a:defRPr>
             </a:lvl8pPr>
-            <a:lvl9pPr marL="3371850" indent="-171450" eaLnBrk="0" fontAlgn="base" hangingPunct="0">
+            <a:lvl9pPr fontAlgn="base">
               <a:lnSpc>
                 <a:spcPct val="90000"/>
               </a:lnSpc>
@@ -8050,13 +7980,13 @@
               <a:spcAft>
                 <a:spcPct val="0"/>
               </a:spcAft>
-              <a:buFont typeface="Arial" panose="020B0604020202020204" pitchFamily="34" charset="0"/>
+              <a:buFont typeface="Arial" charset="0"/>
               <a:buChar char="•"/>
               <a:defRPr sz="1400">
                 <a:solidFill>
                   <a:srgbClr val="126D96"/>
                 </a:solidFill>
-                <a:latin typeface="Corbel" panose="020B0503020204020204" pitchFamily="34" charset="0"/>
+                <a:latin typeface="Corbel" pitchFamily="34" charset="0"/>
               </a:defRPr>
             </a:lvl9pPr>
           </a:lstStyle>
@@ -8072,7 +8002,7 @@
               <a:buNone/>
             </a:pPr>
             <a:r>
-              <a:rPr lang="en-US" altLang="en-US" sz="2600" dirty="0">
+              <a:rPr lang="en-US" altLang="en-US" dirty="0">
                 <a:solidFill>
                   <a:srgbClr val="00B050"/>
                 </a:solidFill>
@@ -8082,31 +8012,18 @@
           </a:p>
         </p:txBody>
       </p:sp>
-      <p:pic>
-        <p:nvPicPr>
-          <p:cNvPr id="13" name="Picture 4"/>
-          <p:cNvPicPr>
-            <a:picLocks noChangeAspect="1" noChangeArrowheads="1"/>
-          </p:cNvPicPr>
+      <p:sp>
+        <p:nvSpPr>
+          <p:cNvPr id="11273" name="Subtitle 2"/>
+          <p:cNvSpPr txBox="1">
+            <a:spLocks/>
+          </p:cNvSpPr>
           <p:nvPr/>
-        </p:nvPicPr>
-        <p:blipFill>
-          <a:blip r:embed="rId5" cstate="print">
-            <a:extLst>
-              <a:ext uri="{28A0092B-C50C-407E-A947-70E740481C1C}">
-                <a14:useLocalDpi xmlns:a14="http://schemas.microsoft.com/office/drawing/2010/main" val="0"/>
-              </a:ext>
-            </a:extLst>
-          </a:blip>
-          <a:srcRect/>
-          <a:stretch>
-            <a:fillRect/>
-          </a:stretch>
-        </p:blipFill>
+        </p:nvSpPr>
         <p:spPr bwMode="auto">
           <a:xfrm>
-            <a:off x="7432675" y="5780088"/>
-            <a:ext cx="547688" cy="549275"/>
+            <a:off x="1935163" y="3657600"/>
+            <a:ext cx="3412692" cy="677863"/>
           </a:xfrm>
           <a:prstGeom prst="rect">
             <a:avLst/>
@@ -8119,14 +8036,14 @@
             <a:ext uri="{909E8E84-426E-40DD-AFC4-6F175D3DCCD1}">
               <a14:hiddenFill xmlns:a14="http://schemas.microsoft.com/office/drawing/2010/main">
                 <a:solidFill>
-                  <a:schemeClr val="accent1"/>
+                  <a:srgbClr val="FFFFFF"/>
                 </a:solidFill>
               </a14:hiddenFill>
             </a:ext>
             <a:ext uri="{91240B29-F687-4F45-9708-019B960494DF}">
               <a14:hiddenLine xmlns:a14="http://schemas.microsoft.com/office/drawing/2010/main" w="9525">
                 <a:solidFill>
-                  <a:schemeClr val="tx1"/>
+                  <a:srgbClr val="000000"/>
                 </a:solidFill>
                 <a:miter lim="800000"/>
                 <a:headEnd/>
@@ -8135,131 +8052,90 @@
             </a:ext>
           </a:extLst>
         </p:spPr>
-      </p:pic>
-      <p:sp>
-        <p:nvSpPr>
-          <p:cNvPr id="19465" name="Subtitle 2"/>
-          <p:cNvSpPr txBox="1">
-            <a:spLocks/>
-          </p:cNvSpPr>
-          <p:nvPr/>
-        </p:nvSpPr>
-        <p:spPr bwMode="auto">
-          <a:xfrm>
-            <a:off x="1935163" y="3657600"/>
-            <a:ext cx="2616200" cy="677863"/>
-          </a:xfrm>
-          <a:prstGeom prst="rect">
-            <a:avLst/>
-          </a:prstGeom>
-          <a:noFill/>
-          <a:ln>
-            <a:noFill/>
-          </a:ln>
-          <a:extLst>
-            <a:ext uri="{909E8E84-426E-40DD-AFC4-6F175D3DCCD1}">
-              <a14:hiddenFill xmlns:a14="http://schemas.microsoft.com/office/drawing/2010/main">
-                <a:solidFill>
-                  <a:srgbClr val="FFFFFF"/>
-                </a:solidFill>
-              </a14:hiddenFill>
-            </a:ext>
-            <a:ext uri="{91240B29-F687-4F45-9708-019B960494DF}">
-              <a14:hiddenLine xmlns:a14="http://schemas.microsoft.com/office/drawing/2010/main" w="9525">
-                <a:solidFill>
-                  <a:srgbClr val="000000"/>
-                </a:solidFill>
-                <a:miter lim="800000"/>
-                <a:headEnd/>
-                <a:tailEnd/>
-              </a14:hiddenLine>
-            </a:ext>
-          </a:extLst>
-        </p:spPr>
         <p:txBody>
           <a:bodyPr/>
           <a:lstStyle>
-            <a:lvl1pPr eaLnBrk="0" hangingPunct="0">
+            <a:lvl1pPr>
               <a:lnSpc>
                 <a:spcPct val="90000"/>
               </a:lnSpc>
               <a:spcBef>
                 <a:spcPts val="750"/>
               </a:spcBef>
-              <a:buFont typeface="Arial" panose="020B0604020202020204" pitchFamily="34" charset="0"/>
+              <a:buFont typeface="Arial" charset="0"/>
               <a:buChar char="•"/>
               <a:defRPr sz="2400">
                 <a:solidFill>
                   <a:srgbClr val="126D96"/>
                 </a:solidFill>
-                <a:latin typeface="Corbel" panose="020B0503020204020204" pitchFamily="34" charset="0"/>
+                <a:latin typeface="Corbel" pitchFamily="34" charset="0"/>
               </a:defRPr>
             </a:lvl1pPr>
-            <a:lvl2pPr marL="514350" indent="-171450" eaLnBrk="0" hangingPunct="0">
+            <a:lvl2pPr>
               <a:lnSpc>
                 <a:spcPct val="90000"/>
               </a:lnSpc>
               <a:spcBef>
                 <a:spcPts val="375"/>
               </a:spcBef>
-              <a:buFont typeface="Arial" panose="020B0604020202020204" pitchFamily="34" charset="0"/>
+              <a:buFont typeface="Arial" charset="0"/>
               <a:buChar char="•"/>
               <a:defRPr sz="2000">
                 <a:solidFill>
                   <a:srgbClr val="126D96"/>
                 </a:solidFill>
-                <a:latin typeface="Corbel" panose="020B0503020204020204" pitchFamily="34" charset="0"/>
+                <a:latin typeface="Corbel" pitchFamily="34" charset="0"/>
               </a:defRPr>
             </a:lvl2pPr>
-            <a:lvl3pPr marL="857250" indent="-171450" eaLnBrk="0" hangingPunct="0">
+            <a:lvl3pPr>
               <a:lnSpc>
                 <a:spcPct val="90000"/>
               </a:lnSpc>
               <a:spcBef>
                 <a:spcPts val="375"/>
               </a:spcBef>
-              <a:buFont typeface="Arial" panose="020B0604020202020204" pitchFamily="34" charset="0"/>
+              <a:buFont typeface="Arial" charset="0"/>
               <a:buChar char="•"/>
               <a:defRPr sz="1600">
                 <a:solidFill>
                   <a:srgbClr val="126D96"/>
                 </a:solidFill>
-                <a:latin typeface="Corbel" panose="020B0503020204020204" pitchFamily="34" charset="0"/>
+                <a:latin typeface="Corbel" pitchFamily="34" charset="0"/>
               </a:defRPr>
             </a:lvl3pPr>
-            <a:lvl4pPr marL="1200150" indent="-171450" eaLnBrk="0" hangingPunct="0">
+            <a:lvl4pPr>
               <a:lnSpc>
                 <a:spcPct val="90000"/>
               </a:lnSpc>
               <a:spcBef>
                 <a:spcPts val="375"/>
               </a:spcBef>
-              <a:buFont typeface="Arial" panose="020B0604020202020204" pitchFamily="34" charset="0"/>
+              <a:buFont typeface="Arial" charset="0"/>
               <a:buChar char="•"/>
               <a:defRPr sz="1400">
                 <a:solidFill>
                   <a:srgbClr val="126D96"/>
                 </a:solidFill>
-                <a:latin typeface="Corbel" panose="020B0503020204020204" pitchFamily="34" charset="0"/>
+                <a:latin typeface="Corbel" pitchFamily="34" charset="0"/>
               </a:defRPr>
             </a:lvl4pPr>
-            <a:lvl5pPr marL="1543050" indent="-171450" eaLnBrk="0" hangingPunct="0">
+            <a:lvl5pPr>
               <a:lnSpc>
                 <a:spcPct val="90000"/>
               </a:lnSpc>
               <a:spcBef>
                 <a:spcPts val="375"/>
               </a:spcBef>
-              <a:buFont typeface="Arial" panose="020B0604020202020204" pitchFamily="34" charset="0"/>
+              <a:buFont typeface="Arial" charset="0"/>
               <a:buChar char="•"/>
               <a:defRPr sz="1400">
                 <a:solidFill>
                   <a:srgbClr val="126D96"/>
                 </a:solidFill>
-                <a:latin typeface="Corbel" panose="020B0503020204020204" pitchFamily="34" charset="0"/>
+                <a:latin typeface="Corbel" pitchFamily="34" charset="0"/>
               </a:defRPr>
             </a:lvl5pPr>
-            <a:lvl6pPr marL="2000250" indent="-171450" eaLnBrk="0" fontAlgn="base" hangingPunct="0">
+            <a:lvl6pPr fontAlgn="base">
               <a:lnSpc>
                 <a:spcPct val="90000"/>
               </a:lnSpc>
@@ -8269,16 +8145,16 @@
               <a:spcAft>
                 <a:spcPct val="0"/>
               </a:spcAft>
-              <a:buFont typeface="Arial" panose="020B0604020202020204" pitchFamily="34" charset="0"/>
+              <a:buFont typeface="Arial" charset="0"/>
               <a:buChar char="•"/>
               <a:defRPr sz="1400">
                 <a:solidFill>
                   <a:srgbClr val="126D96"/>
                 </a:solidFill>
-                <a:latin typeface="Corbel" panose="020B0503020204020204" pitchFamily="34" charset="0"/>
+                <a:latin typeface="Corbel" pitchFamily="34" charset="0"/>
               </a:defRPr>
             </a:lvl6pPr>
-            <a:lvl7pPr marL="2457450" indent="-171450" eaLnBrk="0" fontAlgn="base" hangingPunct="0">
+            <a:lvl7pPr fontAlgn="base">
               <a:lnSpc>
                 <a:spcPct val="90000"/>
               </a:lnSpc>
@@ -8288,16 +8164,16 @@
               <a:spcAft>
                 <a:spcPct val="0"/>
               </a:spcAft>
-              <a:buFont typeface="Arial" panose="020B0604020202020204" pitchFamily="34" charset="0"/>
+              <a:buFont typeface="Arial" charset="0"/>
               <a:buChar char="•"/>
               <a:defRPr sz="1400">
                 <a:solidFill>
                   <a:srgbClr val="126D96"/>
                 </a:solidFill>
-                <a:latin typeface="Corbel" panose="020B0503020204020204" pitchFamily="34" charset="0"/>
+                <a:latin typeface="Corbel" pitchFamily="34" charset="0"/>
               </a:defRPr>
             </a:lvl7pPr>
-            <a:lvl8pPr marL="2914650" indent="-171450" eaLnBrk="0" fontAlgn="base" hangingPunct="0">
+            <a:lvl8pPr fontAlgn="base">
               <a:lnSpc>
                 <a:spcPct val="90000"/>
               </a:lnSpc>
@@ -8307,16 +8183,16 @@
               <a:spcAft>
                 <a:spcPct val="0"/>
               </a:spcAft>
-              <a:buFont typeface="Arial" panose="020B0604020202020204" pitchFamily="34" charset="0"/>
+              <a:buFont typeface="Arial" charset="0"/>
               <a:buChar char="•"/>
               <a:defRPr sz="1400">
                 <a:solidFill>
                   <a:srgbClr val="126D96"/>
                 </a:solidFill>
-                <a:latin typeface="Corbel" panose="020B0503020204020204" pitchFamily="34" charset="0"/>
+                <a:latin typeface="Corbel" pitchFamily="34" charset="0"/>
               </a:defRPr>
             </a:lvl8pPr>
-            <a:lvl9pPr marL="3371850" indent="-171450" eaLnBrk="0" fontAlgn="base" hangingPunct="0">
+            <a:lvl9pPr fontAlgn="base">
               <a:lnSpc>
                 <a:spcPct val="90000"/>
               </a:lnSpc>
@@ -8326,22 +8202,22 @@
               <a:spcAft>
                 <a:spcPct val="0"/>
               </a:spcAft>
-              <a:buFont typeface="Arial" panose="020B0604020202020204" pitchFamily="34" charset="0"/>
+              <a:buFont typeface="Arial" charset="0"/>
               <a:buChar char="•"/>
               <a:defRPr sz="1400">
                 <a:solidFill>
                   <a:srgbClr val="126D96"/>
                 </a:solidFill>
-                <a:latin typeface="Corbel" panose="020B0503020204020204" pitchFamily="34" charset="0"/>
+                <a:latin typeface="Corbel" pitchFamily="34" charset="0"/>
               </a:defRPr>
             </a:lvl9pPr>
           </a:lstStyle>
           <a:p>
-            <a:pPr eaLnBrk="1" hangingPunct="1">
+            <a:pPr defTabSz="914400">
               <a:spcBef>
                 <a:spcPts val="1000"/>
               </a:spcBef>
-              <a:buFont typeface="Arial" panose="020B0604020202020204" pitchFamily="34" charset="0"/>
+              <a:buFont typeface="Arial" charset="0"/>
               <a:buNone/>
             </a:pPr>
             <a:r>
@@ -8350,14 +8226,49 @@
                   <a:srgbClr val="00B050"/>
                 </a:solidFill>
               </a:rPr>
-              <a:t>Lecture 2b, May 2017</a:t>
-            </a:r>
-          </a:p>
-        </p:txBody>
-      </p:sp>
-      <p:sp>
-        <p:nvSpPr>
-          <p:cNvPr id="19466" name="Subtitle 2"/>
+              <a:t>Lecture</a:t>
+            </a:r>
+            <a:r>
+              <a:rPr lang="en-US" altLang="en-US" sz="1800" dirty="0">
+                <a:solidFill>
+                  <a:schemeClr val="bg1">
+                    <a:lumMod val="50000"/>
+                    <a:lumOff val="50000"/>
+                  </a:schemeClr>
+                </a:solidFill>
+              </a:rPr>
+              <a:t> </a:t>
+            </a:r>
+            <a:r>
+              <a:rPr lang="en-US" altLang="en-US" sz="1800" dirty="0">
+                <a:solidFill>
+                  <a:srgbClr val="00B050"/>
+                </a:solidFill>
+              </a:rPr>
+              <a:t>2b,  Nov 1</a:t>
+            </a:r>
+            <a:r>
+              <a:rPr lang="en-US" altLang="en-US" sz="1800" baseline="30000" dirty="0">
+                <a:solidFill>
+                  <a:srgbClr val="00B050"/>
+                </a:solidFill>
+              </a:rPr>
+              <a:t>st</a:t>
+            </a:r>
+            <a:r>
+              <a:rPr lang="en-US" altLang="en-US" sz="1800" dirty="0">
+                <a:solidFill>
+                  <a:srgbClr val="00B050"/>
+                </a:solidFill>
+              </a:rPr>
+              <a:t> 2017</a:t>
+            </a:r>
+          </a:p>
+        </p:txBody>
+      </p:sp>
+      <p:sp>
+        <p:nvSpPr>
+          <p:cNvPr id="11274" name="Subtitle 2"/>
           <p:cNvSpPr txBox="1">
             <a:spLocks/>
           </p:cNvSpPr>
@@ -8398,87 +8309,87 @@
         <p:txBody>
           <a:bodyPr anchor="b"/>
           <a:lstStyle>
-            <a:lvl1pPr defTabSz="685800" eaLnBrk="0" hangingPunct="0">
+            <a:lvl1pPr defTabSz="685800">
               <a:lnSpc>
                 <a:spcPct val="90000"/>
               </a:lnSpc>
               <a:spcBef>
                 <a:spcPts val="750"/>
               </a:spcBef>
-              <a:buFont typeface="Arial" panose="020B0604020202020204" pitchFamily="34" charset="0"/>
+              <a:buFont typeface="Arial" charset="0"/>
               <a:buChar char="•"/>
               <a:defRPr sz="2400">
                 <a:solidFill>
                   <a:srgbClr val="126D96"/>
                 </a:solidFill>
-                <a:latin typeface="Corbel" panose="020B0503020204020204" pitchFamily="34" charset="0"/>
+                <a:latin typeface="Corbel" pitchFamily="34" charset="0"/>
               </a:defRPr>
             </a:lvl1pPr>
-            <a:lvl2pPr marL="342900" indent="-171450" defTabSz="685800" eaLnBrk="0" hangingPunct="0">
+            <a:lvl2pPr marL="342900" defTabSz="685800">
               <a:lnSpc>
                 <a:spcPct val="90000"/>
               </a:lnSpc>
               <a:spcBef>
                 <a:spcPts val="375"/>
               </a:spcBef>
-              <a:buFont typeface="Arial" panose="020B0604020202020204" pitchFamily="34" charset="0"/>
+              <a:buFont typeface="Arial" charset="0"/>
               <a:buChar char="•"/>
               <a:defRPr sz="2000">
                 <a:solidFill>
                   <a:srgbClr val="126D96"/>
                 </a:solidFill>
-                <a:latin typeface="Corbel" panose="020B0503020204020204" pitchFamily="34" charset="0"/>
+                <a:latin typeface="Corbel" pitchFamily="34" charset="0"/>
               </a:defRPr>
             </a:lvl2pPr>
-            <a:lvl3pPr marL="685800" indent="-171450" defTabSz="685800" eaLnBrk="0" hangingPunct="0">
+            <a:lvl3pPr marL="685800" defTabSz="685800">
               <a:lnSpc>
                 <a:spcPct val="90000"/>
               </a:lnSpc>
               <a:spcBef>
                 <a:spcPts val="375"/>
               </a:spcBef>
-              <a:buFont typeface="Arial" panose="020B0604020202020204" pitchFamily="34" charset="0"/>
+              <a:buFont typeface="Arial" charset="0"/>
               <a:buChar char="•"/>
               <a:defRPr sz="1600">
                 <a:solidFill>
                   <a:srgbClr val="126D96"/>
                 </a:solidFill>
-                <a:latin typeface="Corbel" panose="020B0503020204020204" pitchFamily="34" charset="0"/>
+                <a:latin typeface="Corbel" pitchFamily="34" charset="0"/>
               </a:defRPr>
             </a:lvl3pPr>
-            <a:lvl4pPr marL="1028700" indent="-171450" defTabSz="685800" eaLnBrk="0" hangingPunct="0">
+            <a:lvl4pPr marL="1028700" defTabSz="685800">
               <a:lnSpc>
                 <a:spcPct val="90000"/>
               </a:lnSpc>
               <a:spcBef>
                 <a:spcPts val="375"/>
               </a:spcBef>
-              <a:buFont typeface="Arial" panose="020B0604020202020204" pitchFamily="34" charset="0"/>
+              <a:buFont typeface="Arial" charset="0"/>
               <a:buChar char="•"/>
               <a:defRPr sz="1400">
                 <a:solidFill>
                   <a:srgbClr val="126D96"/>
                 </a:solidFill>
-                <a:latin typeface="Corbel" panose="020B0503020204020204" pitchFamily="34" charset="0"/>
+                <a:latin typeface="Corbel" pitchFamily="34" charset="0"/>
               </a:defRPr>
             </a:lvl4pPr>
-            <a:lvl5pPr marL="1371600" indent="-171450" defTabSz="685800" eaLnBrk="0" hangingPunct="0">
+            <a:lvl5pPr marL="1371600" defTabSz="685800">
               <a:lnSpc>
                 <a:spcPct val="90000"/>
               </a:lnSpc>
               <a:spcBef>
                 <a:spcPts val="375"/>
               </a:spcBef>
-              <a:buFont typeface="Arial" panose="020B0604020202020204" pitchFamily="34" charset="0"/>
+              <a:buFont typeface="Arial" charset="0"/>
               <a:buChar char="•"/>
               <a:defRPr sz="1400">
                 <a:solidFill>
                   <a:srgbClr val="126D96"/>
                 </a:solidFill>
-                <a:latin typeface="Corbel" panose="020B0503020204020204" pitchFamily="34" charset="0"/>
+                <a:latin typeface="Corbel" pitchFamily="34" charset="0"/>
               </a:defRPr>
             </a:lvl5pPr>
-            <a:lvl6pPr marL="1828800" indent="-171450" defTabSz="685800" eaLnBrk="0" fontAlgn="base" hangingPunct="0">
+            <a:lvl6pPr marL="1828800" defTabSz="685800" fontAlgn="base">
               <a:lnSpc>
                 <a:spcPct val="90000"/>
               </a:lnSpc>
@@ -8488,16 +8399,16 @@
               <a:spcAft>
                 <a:spcPct val="0"/>
               </a:spcAft>
-              <a:buFont typeface="Arial" panose="020B0604020202020204" pitchFamily="34" charset="0"/>
+              <a:buFont typeface="Arial" charset="0"/>
               <a:buChar char="•"/>
               <a:defRPr sz="1400">
                 <a:solidFill>
                   <a:srgbClr val="126D96"/>
                 </a:solidFill>
-                <a:latin typeface="Corbel" panose="020B0503020204020204" pitchFamily="34" charset="0"/>
+                <a:latin typeface="Corbel" pitchFamily="34" charset="0"/>
               </a:defRPr>
             </a:lvl6pPr>
-            <a:lvl7pPr marL="2286000" indent="-171450" defTabSz="685800" eaLnBrk="0" fontAlgn="base" hangingPunct="0">
+            <a:lvl7pPr marL="2286000" defTabSz="685800" fontAlgn="base">
               <a:lnSpc>
                 <a:spcPct val="90000"/>
               </a:lnSpc>
@@ -8507,16 +8418,16 @@
               <a:spcAft>
                 <a:spcPct val="0"/>
               </a:spcAft>
-              <a:buFont typeface="Arial" panose="020B0604020202020204" pitchFamily="34" charset="0"/>
+              <a:buFont typeface="Arial" charset="0"/>
               <a:buChar char="•"/>
               <a:defRPr sz="1400">
                 <a:solidFill>
                   <a:srgbClr val="126D96"/>
                 </a:solidFill>
-                <a:latin typeface="Corbel" panose="020B0503020204020204" pitchFamily="34" charset="0"/>
+                <a:latin typeface="Corbel" pitchFamily="34" charset="0"/>
               </a:defRPr>
             </a:lvl7pPr>
-            <a:lvl8pPr marL="2743200" indent="-171450" defTabSz="685800" eaLnBrk="0" fontAlgn="base" hangingPunct="0">
+            <a:lvl8pPr marL="2743200" defTabSz="685800" fontAlgn="base">
               <a:lnSpc>
                 <a:spcPct val="90000"/>
               </a:lnSpc>
@@ -8526,16 +8437,16 @@
               <a:spcAft>
                 <a:spcPct val="0"/>
               </a:spcAft>
-              <a:buFont typeface="Arial" panose="020B0604020202020204" pitchFamily="34" charset="0"/>
+              <a:buFont typeface="Arial" charset="0"/>
               <a:buChar char="•"/>
               <a:defRPr sz="1400">
                 <a:solidFill>
                   <a:srgbClr val="126D96"/>
                 </a:solidFill>
-                <a:latin typeface="Corbel" panose="020B0503020204020204" pitchFamily="34" charset="0"/>
+                <a:latin typeface="Corbel" pitchFamily="34" charset="0"/>
               </a:defRPr>
             </a:lvl8pPr>
-            <a:lvl9pPr marL="3200400" indent="-171450" defTabSz="685800" eaLnBrk="0" fontAlgn="base" hangingPunct="0">
+            <a:lvl9pPr marL="3200400" defTabSz="685800" fontAlgn="base">
               <a:lnSpc>
                 <a:spcPct val="90000"/>
               </a:lnSpc>
@@ -8545,23 +8456,23 @@
               <a:spcAft>
                 <a:spcPct val="0"/>
               </a:spcAft>
-              <a:buFont typeface="Arial" panose="020B0604020202020204" pitchFamily="34" charset="0"/>
+              <a:buFont typeface="Arial" charset="0"/>
               <a:buChar char="•"/>
               <a:defRPr sz="1400">
                 <a:solidFill>
                   <a:srgbClr val="126D96"/>
                 </a:solidFill>
-                <a:latin typeface="Corbel" panose="020B0503020204020204" pitchFamily="34" charset="0"/>
+                <a:latin typeface="Corbel" pitchFamily="34" charset="0"/>
               </a:defRPr>
             </a:lvl9pPr>
           </a:lstStyle>
           <a:p>
-            <a:pPr eaLnBrk="1" hangingPunct="1">
-              <a:buFont typeface="Arial" panose="020B0604020202020204" pitchFamily="34" charset="0"/>
+            <a:pPr>
+              <a:buFont typeface="Arial" charset="0"/>
               <a:buNone/>
             </a:pPr>
             <a:r>
-              <a:rPr lang="en-US" altLang="en-US" sz="2000" i="1">
+              <a:rPr lang="en-US" altLang="en-US" sz="2000" i="1" dirty="0">
                 <a:solidFill>
                   <a:srgbClr val="27AFE5"/>
                 </a:solidFill>
@@ -8606,97 +8517,46 @@
           </a:fontRef>
         </p:style>
       </p:cxnSp>
+      <p:pic>
+        <p:nvPicPr>
+          <p:cNvPr id="4" name="Picture 3">
+            <a:extLst>
+              <a:ext uri="{FF2B5EF4-FFF2-40B4-BE49-F238E27FC236}">
+                <a16:creationId xmlns:a16="http://schemas.microsoft.com/office/drawing/2014/main" id="{C65DC03F-AEEF-4777-8132-3DBBB17CD723}"/>
+              </a:ext>
+            </a:extLst>
+          </p:cNvPr>
+          <p:cNvPicPr>
+            <a:picLocks noChangeAspect="1"/>
+          </p:cNvPicPr>
+          <p:nvPr/>
+        </p:nvPicPr>
+        <p:blipFill>
+          <a:blip r:embed="rId5"/>
+          <a:stretch>
+            <a:fillRect/>
+          </a:stretch>
+        </p:blipFill>
+        <p:spPr>
+          <a:xfrm>
+            <a:off x="7116763" y="4171016"/>
+            <a:ext cx="1057419" cy="793065"/>
+          </a:xfrm>
+          <a:prstGeom prst="rect">
+            <a:avLst/>
+          </a:prstGeom>
+        </p:spPr>
+      </p:pic>
     </p:spTree>
+    <p:extLst>
+      <p:ext uri="{BB962C8B-B14F-4D97-AF65-F5344CB8AC3E}">
+        <p14:creationId xmlns:p14="http://schemas.microsoft.com/office/powerpoint/2010/main" val="2452033453"/>
+      </p:ext>
+    </p:extLst>
   </p:cSld>
   <p:clrMapOvr>
     <a:masterClrMapping/>
   </p:clrMapOvr>
-  <p:timing>
-    <p:tnLst>
-      <p:par>
-        <p:cTn id="1" dur="indefinite" restart="never" nodeType="tmRoot">
-          <p:childTnLst>
-            <p:seq concurrent="1" nextAc="seek">
-              <p:cTn id="2" dur="indefinite" nodeType="mainSeq">
-                <p:childTnLst>
-                  <p:par>
-                    <p:cTn id="3" fill="hold" nodeType="clickPar">
-                      <p:stCondLst>
-                        <p:cond delay="indefinite"/>
-                        <p:cond evt="onBegin" delay="0">
-                          <p:tn val="2"/>
-                        </p:cond>
-                      </p:stCondLst>
-                      <p:childTnLst>
-                        <p:par>
-                          <p:cTn id="4" fill="hold" nodeType="withGroup">
-                            <p:stCondLst>
-                              <p:cond delay="0"/>
-                            </p:stCondLst>
-                            <p:childTnLst>
-                              <p:par>
-                                <p:cTn id="5" presetID="10" presetClass="entr" presetSubtype="0" fill="hold" nodeType="withEffect">
-                                  <p:stCondLst>
-                                    <p:cond delay="0"/>
-                                  </p:stCondLst>
-                                  <p:childTnLst>
-                                    <p:set>
-                                      <p:cBhvr>
-                                        <p:cTn id="6" dur="1" fill="hold">
-                                          <p:stCondLst>
-                                            <p:cond delay="0"/>
-                                          </p:stCondLst>
-                                        </p:cTn>
-                                        <p:tgtEl>
-                                          <p:spTgt spid="13"/>
-                                        </p:tgtEl>
-                                        <p:attrNameLst>
-                                          <p:attrName>style.visibility</p:attrName>
-                                        </p:attrNameLst>
-                                      </p:cBhvr>
-                                      <p:to>
-                                        <p:strVal val="visible"/>
-                                      </p:to>
-                                    </p:set>
-                                    <p:animEffect transition="in" filter="fade">
-                                      <p:cBhvr>
-                                        <p:cTn id="7" dur="500"/>
-                                        <p:tgtEl>
-                                          <p:spTgt spid="13"/>
-                                        </p:tgtEl>
-                                      </p:cBhvr>
-                                    </p:animEffect>
-                                  </p:childTnLst>
-                                </p:cTn>
-                              </p:par>
-                            </p:childTnLst>
-                          </p:cTn>
-                        </p:par>
-                      </p:childTnLst>
-                    </p:cTn>
-                  </p:par>
-                </p:childTnLst>
-              </p:cTn>
-              <p:prevCondLst>
-                <p:cond evt="onPrev" delay="0">
-                  <p:tgtEl>
-                    <p:sldTgt/>
-                  </p:tgtEl>
-                </p:cond>
-              </p:prevCondLst>
-              <p:nextCondLst>
-                <p:cond evt="onNext" delay="0">
-                  <p:tgtEl>
-                    <p:sldTgt/>
-                  </p:tgtEl>
-                </p:cond>
-              </p:nextCondLst>
-            </p:seq>
-          </p:childTnLst>
-        </p:cTn>
-      </p:par>
-    </p:tnLst>
-  </p:timing>
 </p:sld>
 </file>
 
@@ -8738,7 +8598,7 @@
           <a:lstStyle/>
           <a:p>
             <a:r>
-              <a:rPr lang="en-CA" altLang="en-US" smtClean="0"/>
+              <a:rPr lang="en-CA" altLang="en-US"/>
               <a:t>Summary of a basic run</a:t>
             </a:r>
           </a:p>
@@ -8772,12 +8632,52 @@
               <a:buNone/>
             </a:pPr>
             <a:r>
-              <a:rPr lang="en-CA" altLang="en-US" smtClean="0">
+              <a:rPr lang="en-CA" altLang="en-US" dirty="0" err="1">
                 <a:solidFill>
                   <a:srgbClr val="00B050"/>
                 </a:solidFill>
               </a:rPr>
-              <a:t>myOM = new(‘OM’, Albacore,  Generic_fleet,  Generic_obs, </a:t>
+              <a:t>myOM</a:t>
+            </a:r>
+            <a:r>
+              <a:rPr lang="en-CA" altLang="en-US" dirty="0">
+                <a:solidFill>
+                  <a:srgbClr val="00B050"/>
+                </a:solidFill>
+              </a:rPr>
+              <a:t> = new( ‘OM’, Rockfish,  </a:t>
+            </a:r>
+            <a:r>
+              <a:rPr lang="en-CA" altLang="en-US" dirty="0" err="1">
+                <a:solidFill>
+                  <a:srgbClr val="00B050"/>
+                </a:solidFill>
+              </a:rPr>
+              <a:t>Generic_fleet</a:t>
+            </a:r>
+            <a:r>
+              <a:rPr lang="en-CA" altLang="en-US" dirty="0">
+                <a:solidFill>
+                  <a:srgbClr val="00B050"/>
+                </a:solidFill>
+              </a:rPr>
+              <a:t>,  </a:t>
+            </a:r>
+            <a:r>
+              <a:rPr lang="en-CA" altLang="en-US" dirty="0" err="1">
+                <a:solidFill>
+                  <a:srgbClr val="00B050"/>
+                </a:solidFill>
+              </a:rPr>
+              <a:t>Generic_obs</a:t>
+            </a:r>
+            <a:r>
+              <a:rPr lang="en-CA" altLang="en-US" dirty="0">
+                <a:solidFill>
+                  <a:srgbClr val="00B050"/>
+                </a:solidFill>
+              </a:rPr>
+              <a:t>, </a:t>
             </a:r>
           </a:p>
           <a:p>
@@ -8789,12 +8689,28 @@
               <a:buNone/>
             </a:pPr>
             <a:r>
-              <a:rPr lang="en-CA" altLang="en-US" smtClean="0">
+              <a:rPr lang="en-CA" altLang="en-US" dirty="0">
                 <a:solidFill>
                   <a:srgbClr val="00B050"/>
                 </a:solidFill>
               </a:rPr>
-              <a:t>				Perfect_Imp)</a:t>
+              <a:t>				</a:t>
+            </a:r>
+            <a:r>
+              <a:rPr lang="en-CA" altLang="en-US" dirty="0" err="1">
+                <a:solidFill>
+                  <a:srgbClr val="00B050"/>
+                </a:solidFill>
+              </a:rPr>
+              <a:t>Perfect_Imp</a:t>
+            </a:r>
+            <a:r>
+              <a:rPr lang="en-CA" altLang="en-US" dirty="0">
+                <a:solidFill>
+                  <a:srgbClr val="00B050"/>
+                </a:solidFill>
+              </a:rPr>
+              <a:t> )</a:t>
             </a:r>
           </a:p>
           <a:p>
@@ -8805,7 +8721,7 @@
               <a:buFont typeface="Arial" panose="020B0604020202020204" pitchFamily="34" charset="0"/>
               <a:buNone/>
             </a:pPr>
-            <a:endParaRPr lang="en-CA" altLang="en-US" smtClean="0">
+            <a:endParaRPr lang="en-CA" altLang="en-US" dirty="0">
               <a:solidFill>
                 <a:srgbClr val="00B050"/>
               </a:solidFill>
@@ -8820,12 +8736,52 @@
               <a:buNone/>
             </a:pPr>
             <a:r>
-              <a:rPr lang="en-CA" altLang="en-US" smtClean="0">
+              <a:rPr lang="en-CA" altLang="en-US" dirty="0" err="1">
                 <a:solidFill>
                   <a:srgbClr val="00B050"/>
                 </a:solidFill>
               </a:rPr>
-              <a:t>myMSE = runMSE(myOM)</a:t>
+              <a:t>myMSE</a:t>
+            </a:r>
+            <a:r>
+              <a:rPr lang="en-CA" altLang="en-US" dirty="0">
+                <a:solidFill>
+                  <a:srgbClr val="00B050"/>
+                </a:solidFill>
+              </a:rPr>
+              <a:t> = </a:t>
+            </a:r>
+            <a:r>
+              <a:rPr lang="en-CA" altLang="en-US" dirty="0" err="1">
+                <a:solidFill>
+                  <a:srgbClr val="00B050"/>
+                </a:solidFill>
+              </a:rPr>
+              <a:t>runMSE</a:t>
+            </a:r>
+            <a:r>
+              <a:rPr lang="en-CA" altLang="en-US" dirty="0">
+                <a:solidFill>
+                  <a:srgbClr val="00B050"/>
+                </a:solidFill>
+              </a:rPr>
+              <a:t>( </a:t>
+            </a:r>
+            <a:r>
+              <a:rPr lang="en-CA" altLang="en-US" dirty="0" err="1">
+                <a:solidFill>
+                  <a:srgbClr val="00B050"/>
+                </a:solidFill>
+              </a:rPr>
+              <a:t>myOM</a:t>
+            </a:r>
+            <a:r>
+              <a:rPr lang="en-CA" altLang="en-US" dirty="0">
+                <a:solidFill>
+                  <a:srgbClr val="00B050"/>
+                </a:solidFill>
+              </a:rPr>
+              <a:t>, MPs = c(‘DCAC’, ‘DBSRA’) )</a:t>
             </a:r>
           </a:p>
           <a:p>
@@ -8836,7 +8792,7 @@
               <a:buFont typeface="Arial" panose="020B0604020202020204" pitchFamily="34" charset="0"/>
               <a:buNone/>
             </a:pPr>
-            <a:endParaRPr lang="en-CA" altLang="en-US" smtClean="0">
+            <a:endParaRPr lang="en-CA" altLang="en-US" dirty="0">
               <a:solidFill>
                 <a:srgbClr val="00B050"/>
               </a:solidFill>
@@ -8851,12 +8807,28 @@
               <a:buNone/>
             </a:pPr>
             <a:r>
-              <a:rPr lang="en-CA" altLang="en-US" smtClean="0">
+              <a:rPr lang="en-CA" altLang="en-US" dirty="0">
                 <a:solidFill>
                   <a:srgbClr val="00B050"/>
                 </a:solidFill>
               </a:rPr>
-              <a:t>plot(myMSE)</a:t>
+              <a:t>plot( </a:t>
+            </a:r>
+            <a:r>
+              <a:rPr lang="en-CA" altLang="en-US" dirty="0" err="1">
+                <a:solidFill>
+                  <a:srgbClr val="00B050"/>
+                </a:solidFill>
+              </a:rPr>
+              <a:t>myMSE</a:t>
+            </a:r>
+            <a:r>
+              <a:rPr lang="en-CA" altLang="en-US" dirty="0">
+                <a:solidFill>
+                  <a:srgbClr val="00B050"/>
+                </a:solidFill>
+              </a:rPr>
+              <a:t> )</a:t>
             </a:r>
           </a:p>
           <a:p>
@@ -8864,7 +8836,7 @@
               <a:buFont typeface="Arial" panose="020B0604020202020204" pitchFamily="34" charset="0"/>
               <a:buNone/>
             </a:pPr>
-            <a:endParaRPr lang="en-CA" altLang="en-US" smtClean="0"/>
+            <a:endParaRPr lang="en-CA" altLang="en-US" dirty="0"/>
           </a:p>
         </p:txBody>
       </p:sp>
@@ -8927,13 +8899,6 @@
   <p:clrMapOvr>
     <a:masterClrMapping/>
   </p:clrMapOvr>
-  <p:timing>
-    <p:tnLst>
-      <p:par>
-        <p:cTn id="1" dur="indefinite" restart="never" nodeType="tmRoot"/>
-      </p:par>
-    </p:tnLst>
-  </p:timing>
 </p:sld>
 </file>
 
@@ -8975,10 +8940,9 @@
           <a:lstStyle/>
           <a:p>
             <a:r>
-              <a:rPr lang="en-CA" dirty="0" smtClean="0"/>
+              <a:rPr lang="en-CA" dirty="0"/>
               <a:t>A bit more about trade-offs</a:t>
             </a:r>
-            <a:endParaRPr lang="en-CA" dirty="0"/>
           </a:p>
         </p:txBody>
       </p:sp>
@@ -9113,18 +9077,13 @@
           <a:lstStyle/>
           <a:p>
             <a:r>
-              <a:rPr lang="en-CA" dirty="0" smtClean="0">
+              <a:rPr lang="en-CA" dirty="0">
                 <a:solidFill>
                   <a:schemeClr val="bg1"/>
                 </a:solidFill>
               </a:rPr>
               <a:t>Yield over first 10 projected years</a:t>
             </a:r>
-            <a:endParaRPr lang="en-CA" dirty="0">
-              <a:solidFill>
-                <a:schemeClr val="bg1"/>
-              </a:solidFill>
-            </a:endParaRPr>
           </a:p>
         </p:txBody>
       </p:sp>
@@ -9151,18 +9110,13 @@
           <a:lstStyle/>
           <a:p>
             <a:r>
-              <a:rPr lang="en-CA" dirty="0" smtClean="0">
+              <a:rPr lang="en-CA" dirty="0">
                 <a:solidFill>
                   <a:schemeClr val="bg1"/>
                 </a:solidFill>
               </a:rPr>
               <a:t>Probability of meeting long-term conservation objectives</a:t>
             </a:r>
-            <a:endParaRPr lang="en-CA" dirty="0">
-              <a:solidFill>
-                <a:schemeClr val="bg1"/>
-              </a:solidFill>
-            </a:endParaRPr>
           </a:p>
         </p:txBody>
       </p:sp>
@@ -9189,18 +9143,13 @@
           <a:lstStyle/>
           <a:p>
             <a:r>
-              <a:rPr lang="en-CA" dirty="0" smtClean="0">
+              <a:rPr lang="en-CA" dirty="0">
                 <a:solidFill>
                   <a:schemeClr val="bg1"/>
                 </a:solidFill>
               </a:rPr>
               <a:t>Worse</a:t>
             </a:r>
-            <a:endParaRPr lang="en-CA" dirty="0">
-              <a:solidFill>
-                <a:schemeClr val="bg1"/>
-              </a:solidFill>
-            </a:endParaRPr>
           </a:p>
         </p:txBody>
       </p:sp>
@@ -9243,13 +9192,13 @@
         <p:nvCxnSpPr>
           <p:cNvPr id="15" name="Straight Connector 14"/>
           <p:cNvCxnSpPr>
-            <a:endCxn id="7" idx="0"/>
+            <a:cxnSpLocks/>
           </p:cNvCxnSpPr>
           <p:nvPr/>
         </p:nvCxnSpPr>
         <p:spPr>
           <a:xfrm flipV="1">
-            <a:off x="4175956" y="1948190"/>
+            <a:off x="4283968" y="1948190"/>
             <a:ext cx="0" cy="2920970"/>
           </a:xfrm>
           <a:prstGeom prst="line">
@@ -9498,18 +9447,13 @@
           <a:p>
             <a:pPr algn="r"/>
             <a:r>
-              <a:rPr lang="en-CA" dirty="0" smtClean="0">
+              <a:rPr lang="en-CA" dirty="0">
                 <a:solidFill>
                   <a:schemeClr val="bg1"/>
                 </a:solidFill>
               </a:rPr>
               <a:t>Better</a:t>
             </a:r>
-            <a:endParaRPr lang="en-CA" dirty="0">
-              <a:solidFill>
-                <a:schemeClr val="bg1"/>
-              </a:solidFill>
-            </a:endParaRPr>
           </a:p>
         </p:txBody>
       </p:sp>
@@ -9841,18 +9785,13 @@
           <a:lstStyle/>
           <a:p>
             <a:r>
-              <a:rPr lang="en-CA" dirty="0" smtClean="0">
+              <a:rPr lang="en-CA" dirty="0">
                 <a:solidFill>
                   <a:schemeClr val="bg1"/>
                 </a:solidFill>
               </a:rPr>
               <a:t>“Hard problem”</a:t>
             </a:r>
-            <a:endParaRPr lang="en-CA" dirty="0">
-              <a:solidFill>
-                <a:schemeClr val="bg1"/>
-              </a:solidFill>
-            </a:endParaRPr>
           </a:p>
         </p:txBody>
       </p:sp>
@@ -10685,10 +10624,9 @@
           <a:lstStyle/>
           <a:p>
             <a:r>
-              <a:rPr lang="en-CA" dirty="0" smtClean="0"/>
+              <a:rPr lang="en-CA" dirty="0"/>
               <a:t>Some handy commands</a:t>
             </a:r>
-            <a:endParaRPr lang="en-CA" dirty="0"/>
           </a:p>
         </p:txBody>
       </p:sp>
@@ -10719,11 +10657,11 @@
               <a:buNone/>
             </a:pPr>
             <a:r>
-              <a:rPr lang="en-CA" sz="2800" dirty="0" smtClean="0"/>
+              <a:rPr lang="en-CA" sz="2800" dirty="0"/>
               <a:t>avail()		     </a:t>
             </a:r>
             <a:r>
-              <a:rPr lang="en-CA" sz="2800" dirty="0" smtClean="0">
+              <a:rPr lang="en-CA" sz="2800" dirty="0">
                 <a:solidFill>
                   <a:srgbClr val="00B050"/>
                 </a:solidFill>
@@ -10739,11 +10677,11 @@
               <a:buNone/>
             </a:pPr>
             <a:r>
-              <a:rPr lang="en-CA" sz="2800" dirty="0" smtClean="0"/>
+              <a:rPr lang="en-CA" sz="2800" dirty="0"/>
               <a:t>new()                      </a:t>
             </a:r>
             <a:r>
-              <a:rPr lang="en-CA" sz="2800" dirty="0" err="1" smtClean="0">
+              <a:rPr lang="en-CA" sz="2800" dirty="0" err="1">
                 <a:solidFill>
                   <a:srgbClr val="00B050"/>
                 </a:solidFill>
@@ -10751,7 +10689,7 @@
               <a:t>myOM</a:t>
             </a:r>
             <a:r>
-              <a:rPr lang="en-CA" sz="2800" dirty="0" smtClean="0">
+              <a:rPr lang="en-CA" sz="2800" dirty="0">
                 <a:solidFill>
                   <a:srgbClr val="00B050"/>
                 </a:solidFill>
@@ -10767,11 +10705,11 @@
               <a:buNone/>
             </a:pPr>
             <a:r>
-              <a:rPr lang="en-CA" sz="2800" dirty="0" smtClean="0"/>
+              <a:rPr lang="en-CA" sz="2800" dirty="0"/>
               <a:t>plot()                       </a:t>
             </a:r>
             <a:r>
-              <a:rPr lang="en-CA" sz="2800" dirty="0" smtClean="0">
+              <a:rPr lang="en-CA" sz="2800" dirty="0">
                 <a:solidFill>
                   <a:srgbClr val="00B050"/>
                 </a:solidFill>
@@ -10779,7 +10717,7 @@
               <a:t>plot(</a:t>
             </a:r>
             <a:r>
-              <a:rPr lang="en-CA" sz="2800" dirty="0" err="1" smtClean="0">
+              <a:rPr lang="en-CA" sz="2800" dirty="0" err="1">
                 <a:solidFill>
                   <a:srgbClr val="00B050"/>
                 </a:solidFill>
@@ -10787,7 +10725,7 @@
               <a:t>myOM</a:t>
             </a:r>
             <a:r>
-              <a:rPr lang="en-CA" sz="2800" dirty="0" smtClean="0">
+              <a:rPr lang="en-CA" sz="2800" dirty="0">
                 <a:solidFill>
                   <a:srgbClr val="00B050"/>
                 </a:solidFill>
@@ -10803,11 +10741,11 @@
               <a:buNone/>
             </a:pPr>
             <a:r>
-              <a:rPr lang="en-CA" sz="2800" dirty="0" smtClean="0"/>
+              <a:rPr lang="en-CA" sz="2800" dirty="0"/>
               <a:t>runMSE()               </a:t>
             </a:r>
             <a:r>
-              <a:rPr lang="en-CA" sz="2800" dirty="0" err="1" smtClean="0">
+              <a:rPr lang="en-CA" sz="2800" dirty="0" err="1">
                 <a:solidFill>
                   <a:srgbClr val="00B050"/>
                 </a:solidFill>
@@ -10815,7 +10753,7 @@
               <a:t>myMSE</a:t>
             </a:r>
             <a:r>
-              <a:rPr lang="en-CA" sz="2800" dirty="0" smtClean="0">
+              <a:rPr lang="en-CA" sz="2800" dirty="0">
                 <a:solidFill>
                   <a:srgbClr val="00B050"/>
                 </a:solidFill>
@@ -10823,7 +10761,7 @@
               <a:t> = runMSE(</a:t>
             </a:r>
             <a:r>
-              <a:rPr lang="en-CA" sz="2800" dirty="0" err="1" smtClean="0">
+              <a:rPr lang="en-CA" sz="2800" dirty="0" err="1">
                 <a:solidFill>
                   <a:srgbClr val="00B050"/>
                 </a:solidFill>
@@ -10831,7 +10769,7 @@
               <a:t>myOM</a:t>
             </a:r>
             <a:r>
-              <a:rPr lang="en-CA" sz="2800" dirty="0" smtClean="0">
+              <a:rPr lang="en-CA" sz="2800" dirty="0">
                 <a:solidFill>
                   <a:srgbClr val="00B050"/>
                 </a:solidFill>
@@ -10847,31 +10785,19 @@
               <a:buNone/>
             </a:pPr>
             <a:r>
-              <a:rPr lang="en-CA" sz="2800" dirty="0" err="1" smtClean="0"/>
-              <a:t>NOAA_plot</a:t>
-            </a:r>
-            <a:r>
-              <a:rPr lang="en-CA" sz="2800" dirty="0" smtClean="0"/>
-              <a:t>()       </a:t>
-            </a:r>
-            <a:r>
-              <a:rPr lang="en-CA" sz="2800" dirty="0" err="1" smtClean="0">
+              <a:rPr lang="en-CA" sz="2800" dirty="0"/>
+              <a:t>Tplot2()       	      </a:t>
+            </a:r>
+            <a:r>
+              <a:rPr lang="en-CA" sz="2800" dirty="0">
                 <a:solidFill>
                   <a:srgbClr val="00B050"/>
                 </a:solidFill>
               </a:rPr>
-              <a:t>NOAA_plot</a:t>
-            </a:r>
-            <a:r>
-              <a:rPr lang="en-CA" sz="2800" dirty="0" smtClean="0">
-                <a:solidFill>
-                  <a:srgbClr val="00B050"/>
-                </a:solidFill>
-              </a:rPr>
-              <a:t>(</a:t>
-            </a:r>
-            <a:r>
-              <a:rPr lang="en-CA" sz="2800" dirty="0" err="1" smtClean="0">
+              <a:t>Tplot2(</a:t>
+            </a:r>
+            <a:r>
+              <a:rPr lang="en-CA" sz="2800" dirty="0" err="1">
                 <a:solidFill>
                   <a:srgbClr val="00B050"/>
                 </a:solidFill>
@@ -10879,7 +10805,7 @@
               <a:t>myMSE</a:t>
             </a:r>
             <a:r>
-              <a:rPr lang="en-CA" sz="2800" dirty="0" smtClean="0">
+              <a:rPr lang="en-CA" sz="2800" dirty="0">
                 <a:solidFill>
                   <a:srgbClr val="00B050"/>
                 </a:solidFill>
@@ -10905,13 +10831,6 @@
   <p:clrMapOvr>
     <a:masterClrMapping/>
   </p:clrMapOvr>
-  <p:timing>
-    <p:tnLst>
-      <p:par>
-        <p:cTn id="1" dur="indefinite" restart="never" nodeType="tmRoot"/>
-      </p:par>
-    </p:tnLst>
-  </p:timing>
 </p:sld>
 </file>
 
@@ -10954,9 +10873,9 @@
           <a:p>
             <a:pPr eaLnBrk="1" hangingPunct="1"/>
             <a:r>
-              <a:rPr lang="en-CA" altLang="en-US" smtClean="0">
-                <a:solidFill>
-                  <a:srgbClr val="F6BB00"/>
+              <a:rPr lang="en-CA" altLang="en-US" dirty="0">
+                <a:solidFill>
+                  <a:srgbClr val="27AFE5"/>
                 </a:solidFill>
               </a:rPr>
               <a:t>Agenda</a:t>
@@ -10992,9 +10911,9 @@
               <a:buAutoNum type="arabicPeriod"/>
             </a:pPr>
             <a:r>
-              <a:rPr lang="en-CA" altLang="en-US" sz="2800" dirty="0" smtClean="0">
-                <a:solidFill>
-                  <a:srgbClr val="27AFE5"/>
+              <a:rPr lang="en-CA" altLang="en-US" sz="2800" dirty="0">
+                <a:solidFill>
+                  <a:srgbClr val="0070C0"/>
                 </a:solidFill>
               </a:rPr>
               <a:t>OO design: Stock, Fleet, Observation and Implementation objects</a:t>
@@ -11009,9 +10928,9 @@
               <a:buAutoNum type="arabicPeriod"/>
             </a:pPr>
             <a:r>
-              <a:rPr lang="en-CA" altLang="en-US" sz="2800" dirty="0" smtClean="0">
-                <a:solidFill>
-                  <a:srgbClr val="27AFE5"/>
+              <a:rPr lang="en-CA" altLang="en-US" sz="2800" dirty="0">
+                <a:solidFill>
+                  <a:srgbClr val="0070C0"/>
                 </a:solidFill>
               </a:rPr>
               <a:t>Constructing operating models</a:t>
@@ -11026,9 +10945,9 @@
               <a:buAutoNum type="arabicPeriod"/>
             </a:pPr>
             <a:r>
-              <a:rPr lang="en-CA" altLang="en-US" sz="2800" dirty="0" smtClean="0">
-                <a:solidFill>
-                  <a:srgbClr val="27AFE5"/>
+              <a:rPr lang="en-CA" altLang="en-US" sz="2800" dirty="0">
+                <a:solidFill>
+                  <a:srgbClr val="0070C0"/>
                 </a:solidFill>
               </a:rPr>
               <a:t>Visualizing operating models</a:t>
@@ -11043,20 +10962,12 @@
               <a:buAutoNum type="arabicPeriod"/>
             </a:pPr>
             <a:r>
-              <a:rPr lang="en-CA" altLang="en-US" sz="2800" dirty="0" smtClean="0">
-                <a:solidFill>
-                  <a:srgbClr val="27AFE5"/>
+              <a:rPr lang="en-CA" altLang="en-US" sz="2800" dirty="0">
+                <a:solidFill>
+                  <a:srgbClr val="0070C0"/>
                 </a:solidFill>
               </a:rPr>
-              <a:t>Run </a:t>
-            </a:r>
-            <a:r>
-              <a:rPr lang="en-CA" altLang="en-US" sz="2800" dirty="0" smtClean="0">
-                <a:solidFill>
-                  <a:srgbClr val="27AFE5"/>
-                </a:solidFill>
-              </a:rPr>
-              <a:t>an MSE</a:t>
+              <a:t>Run an MSE</a:t>
             </a:r>
           </a:p>
           <a:p>
@@ -11068,20 +10979,12 @@
               <a:buAutoNum type="arabicPeriod"/>
             </a:pPr>
             <a:r>
-              <a:rPr lang="en-CA" altLang="en-US" sz="2800" dirty="0" smtClean="0">
-                <a:solidFill>
-                  <a:srgbClr val="27AFE5"/>
+              <a:rPr lang="en-CA" altLang="en-US" sz="2800" dirty="0">
+                <a:solidFill>
+                  <a:srgbClr val="0070C0"/>
                 </a:solidFill>
               </a:rPr>
-              <a:t>Visualize </a:t>
-            </a:r>
-            <a:r>
-              <a:rPr lang="en-CA" altLang="en-US" sz="2800" dirty="0" smtClean="0">
-                <a:solidFill>
-                  <a:srgbClr val="27AFE5"/>
-                </a:solidFill>
-              </a:rPr>
-              <a:t>MSE runs</a:t>
+              <a:t>Visualize MSE runs</a:t>
             </a:r>
           </a:p>
           <a:p>
@@ -11093,20 +10996,12 @@
               <a:buAutoNum type="arabicPeriod"/>
             </a:pPr>
             <a:r>
-              <a:rPr lang="en-CA" altLang="en-US" sz="2800" dirty="0" smtClean="0">
-                <a:solidFill>
-                  <a:srgbClr val="27AFE5"/>
+              <a:rPr lang="en-CA" altLang="en-US" sz="2800" dirty="0">
+                <a:solidFill>
+                  <a:srgbClr val="0070C0"/>
                 </a:solidFill>
               </a:rPr>
-              <a:t>Evaluate </a:t>
-            </a:r>
-            <a:r>
-              <a:rPr lang="en-CA" altLang="en-US" sz="2800" dirty="0" smtClean="0">
-                <a:solidFill>
-                  <a:srgbClr val="27AFE5"/>
-                </a:solidFill>
-              </a:rPr>
-              <a:t>performance</a:t>
+              <a:t>Evaluate performance</a:t>
             </a:r>
           </a:p>
           <a:p>
@@ -11118,9 +11013,9 @@
               <a:buAutoNum type="arabicPeriod"/>
             </a:pPr>
             <a:r>
-              <a:rPr lang="en-CA" altLang="en-US" sz="2800" dirty="0" smtClean="0">
-                <a:solidFill>
-                  <a:srgbClr val="27AFE5"/>
+              <a:rPr lang="en-CA" altLang="en-US" sz="2800" dirty="0">
+                <a:solidFill>
+                  <a:srgbClr val="0070C0"/>
                 </a:solidFill>
               </a:rPr>
               <a:t>Trade-off plots</a:t>
@@ -11133,13 +11028,6 @@
   <p:clrMapOvr>
     <a:masterClrMapping/>
   </p:clrMapOvr>
-  <p:timing>
-    <p:tnLst>
-      <p:par>
-        <p:cTn id="1" dur="indefinite" restart="never" nodeType="tmRoot"/>
-      </p:par>
-    </p:tnLst>
-  </p:timing>
 </p:sld>
 </file>
 
@@ -11181,7 +11069,7 @@
               </a:spcBef>
             </a:pPr>
             <a:r>
-              <a:rPr lang="en-CA" altLang="en-US" smtClean="0"/>
+              <a:rPr lang="en-CA" altLang="en-US"/>
               <a:t>1. OO design: Stock, Fleet, Observation and Implementation objects</a:t>
             </a:r>
           </a:p>
@@ -11213,7 +11101,7 @@
               <a:defRPr/>
             </a:pPr>
             <a:r>
-              <a:rPr lang="en-CA" dirty="0" smtClean="0"/>
+              <a:rPr lang="en-CA" dirty="0"/>
               <a:t>Recall the MSE schematic: </a:t>
             </a:r>
           </a:p>
@@ -12149,13 +12037,6 @@
   <p:clrMapOvr>
     <a:masterClrMapping/>
   </p:clrMapOvr>
-  <p:timing>
-    <p:tnLst>
-      <p:par>
-        <p:cTn id="1" dur="indefinite" restart="never" nodeType="tmRoot"/>
-      </p:par>
-    </p:tnLst>
-  </p:timing>
 </p:sld>
 </file>
 
@@ -12197,7 +12078,7 @@
               </a:spcBef>
             </a:pPr>
             <a:r>
-              <a:rPr lang="en-CA" altLang="en-US" smtClean="0"/>
+              <a:rPr lang="en-CA" altLang="en-US"/>
               <a:t>1. OO design: Stock, Fleet, Observation and Implementation objects</a:t>
             </a:r>
           </a:p>
@@ -13145,7 +13026,7 @@
               <a:buNone/>
             </a:pPr>
             <a:r>
-              <a:rPr lang="en-CA" altLang="en-US" smtClean="0">
+              <a:rPr lang="en-CA" altLang="en-US">
                 <a:solidFill>
                   <a:srgbClr val="0070C0"/>
                 </a:solidFill>
@@ -13158,7 +13039,7 @@
               <a:buFont typeface="Arial" panose="020B0604020202020204" pitchFamily="34" charset="0"/>
               <a:buNone/>
             </a:pPr>
-            <a:endParaRPr lang="en-CA" altLang="en-US" smtClean="0"/>
+            <a:endParaRPr lang="en-CA" altLang="en-US"/>
           </a:p>
         </p:txBody>
       </p:sp>
@@ -13167,13 +13048,6 @@
   <p:clrMapOvr>
     <a:masterClrMapping/>
   </p:clrMapOvr>
-  <p:timing>
-    <p:tnLst>
-      <p:par>
-        <p:cTn id="1" dur="indefinite" restart="never" nodeType="tmRoot"/>
-      </p:par>
-    </p:tnLst>
-  </p:timing>
 </p:sld>
 </file>
 
@@ -13215,7 +13089,7 @@
               </a:spcBef>
             </a:pPr>
             <a:r>
-              <a:rPr lang="en-CA" altLang="en-US" smtClean="0"/>
+              <a:rPr lang="en-CA" altLang="en-US"/>
               <a:t>1. OO design: Stock, Fleet, Observation and Implementation objects</a:t>
             </a:r>
           </a:p>
@@ -13246,7 +13120,7 @@
               <a:buNone/>
             </a:pPr>
             <a:r>
-              <a:rPr lang="en-CA" altLang="en-US" smtClean="0">
+              <a:rPr lang="en-CA" altLang="en-US">
                 <a:solidFill>
                   <a:srgbClr val="0070C0"/>
                 </a:solidFill>
@@ -13254,11 +13128,11 @@
               <a:t>DLMtool has various</a:t>
             </a:r>
             <a:r>
-              <a:rPr lang="en-CA" altLang="en-US" smtClean="0"/>
+              <a:rPr lang="en-CA" altLang="en-US"/>
               <a:t> </a:t>
             </a:r>
             <a:r>
-              <a:rPr lang="en-CA" altLang="en-US" b="1" smtClean="0">
+              <a:rPr lang="en-CA" altLang="en-US" b="1">
                 <a:solidFill>
                   <a:srgbClr val="FF0000"/>
                 </a:solidFill>
@@ -13266,7 +13140,7 @@
               <a:t>object classes</a:t>
             </a:r>
             <a:r>
-              <a:rPr lang="en-CA" altLang="en-US" smtClean="0">
+              <a:rPr lang="en-CA" altLang="en-US">
                 <a:solidFill>
                   <a:srgbClr val="FF0000"/>
                 </a:solidFill>
@@ -13274,7 +13148,7 @@
               <a:t> </a:t>
             </a:r>
             <a:r>
-              <a:rPr lang="en-CA" altLang="en-US" smtClean="0">
+              <a:rPr lang="en-CA" altLang="en-US">
                 <a:solidFill>
                   <a:srgbClr val="0070C0"/>
                 </a:solidFill>
@@ -13282,7 +13156,7 @@
               <a:t>to complete the MSE specification</a:t>
             </a:r>
             <a:r>
-              <a:rPr lang="en-CA" altLang="en-US" smtClean="0"/>
+              <a:rPr lang="en-CA" altLang="en-US"/>
               <a:t> </a:t>
             </a:r>
           </a:p>
@@ -13291,7 +13165,7 @@
               <a:buFont typeface="Arial" panose="020B0604020202020204" pitchFamily="34" charset="0"/>
               <a:buNone/>
             </a:pPr>
-            <a:endParaRPr lang="en-CA" altLang="en-US" smtClean="0"/>
+            <a:endParaRPr lang="en-CA" altLang="en-US"/>
           </a:p>
         </p:txBody>
       </p:sp>
@@ -14744,24 +14618,16 @@
           <a:p>
             <a:pPr eaLnBrk="1" hangingPunct="1"/>
             <a:r>
-              <a:rPr lang="en-CA" altLang="en-US" sz="2900" smtClean="0"/>
+              <a:rPr lang="en-CA" altLang="en-US" sz="2900"/>
               <a:t>2. Constructing operating models. </a:t>
             </a:r>
-            <a:r>
-              <a:rPr lang="en-CA" altLang="en-US" sz="2600" smtClean="0"/>
-              <a:t/>
-            </a:r>
             <a:br>
-              <a:rPr lang="en-CA" altLang="en-US" sz="2600" smtClean="0"/>
+              <a:rPr lang="en-CA" altLang="en-US" sz="2600"/>
             </a:br>
-            <a:r>
-              <a:rPr lang="en-CA" altLang="en-US" sz="2600" smtClean="0"/>
-              <a:t/>
-            </a:r>
             <a:br>
-              <a:rPr lang="en-CA" altLang="en-US" sz="2600" smtClean="0"/>
+              <a:rPr lang="en-CA" altLang="en-US" sz="2600"/>
             </a:br>
-            <a:endParaRPr lang="en-CA" altLang="en-US" sz="2600" smtClean="0"/>
+            <a:endParaRPr lang="en-CA" altLang="en-US" sz="2600"/>
           </a:p>
         </p:txBody>
       </p:sp>
@@ -14790,7 +14656,7 @@
               <a:buNone/>
             </a:pPr>
             <a:r>
-              <a:rPr lang="en-CA" altLang="en-US" sz="2200" dirty="0" smtClean="0"/>
+              <a:rPr lang="en-CA" altLang="en-US" sz="2200" dirty="0"/>
               <a:t>Search for object classes:</a:t>
             </a:r>
           </a:p>
@@ -14803,42 +14669,13 @@
               <a:buNone/>
             </a:pPr>
             <a:r>
-              <a:rPr lang="en-CA" altLang="en-US" sz="2200" dirty="0" smtClean="0">
+              <a:rPr lang="en-CA" altLang="en-US" sz="2200" dirty="0">
                 <a:solidFill>
                   <a:srgbClr val="00B050"/>
                 </a:solidFill>
               </a:rPr>
-              <a:t>avail</a:t>
-            </a:r>
-            <a:r>
-              <a:rPr lang="en-CA" altLang="en-US" sz="2200" dirty="0" smtClean="0">
-                <a:solidFill>
-                  <a:srgbClr val="00B050"/>
-                </a:solidFill>
-              </a:rPr>
-              <a:t>(‘</a:t>
-            </a:r>
-            <a:r>
-              <a:rPr lang="en-CA" altLang="en-US" sz="2200" dirty="0" smtClean="0">
-                <a:solidFill>
-                  <a:srgbClr val="00B050"/>
-                </a:solidFill>
-              </a:rPr>
-              <a:t>Stock</a:t>
-            </a:r>
-            <a:r>
-              <a:rPr lang="en-CA" altLang="en-US" sz="2200" dirty="0" smtClean="0">
-                <a:solidFill>
-                  <a:srgbClr val="00B050"/>
-                </a:solidFill>
-              </a:rPr>
-              <a:t>’)</a:t>
-            </a:r>
-            <a:endParaRPr lang="en-CA" altLang="en-US" sz="2200" dirty="0" smtClean="0">
-              <a:solidFill>
-                <a:srgbClr val="00B050"/>
-              </a:solidFill>
-            </a:endParaRPr>
+              <a:t>avail(‘Stock’)</a:t>
+            </a:r>
           </a:p>
           <a:p>
             <a:pPr marL="0" indent="0" eaLnBrk="1" hangingPunct="1">
@@ -14849,26 +14686,13 @@
               <a:buNone/>
             </a:pPr>
             <a:r>
-              <a:rPr lang="en-CA" altLang="en-US" sz="2200" dirty="0" smtClean="0">
+              <a:rPr lang="en-CA" altLang="en-US" sz="2200" dirty="0">
                 <a:solidFill>
                   <a:srgbClr val="00B050"/>
                 </a:solidFill>
               </a:rPr>
-              <a:t>avail</a:t>
-            </a:r>
-            <a:r>
-              <a:rPr lang="en-CA" altLang="en-US" sz="2200" dirty="0" smtClean="0">
-                <a:solidFill>
-                  <a:srgbClr val="00B050"/>
-                </a:solidFill>
-              </a:rPr>
-              <a:t>(‘Fleet’)</a:t>
-            </a:r>
-            <a:endParaRPr lang="en-CA" altLang="en-US" sz="2200" dirty="0" smtClean="0">
-              <a:solidFill>
-                <a:srgbClr val="00B050"/>
-              </a:solidFill>
-            </a:endParaRPr>
+              <a:t>avail(‘Fleet’)</a:t>
+            </a:r>
           </a:p>
           <a:p>
             <a:pPr marL="0" indent="0" eaLnBrk="1" hangingPunct="1">
@@ -14879,23 +14703,15 @@
               <a:buNone/>
             </a:pPr>
             <a:r>
-              <a:rPr lang="en-CA" altLang="en-US" sz="2200" dirty="0" smtClean="0">
+              <a:rPr lang="en-CA" altLang="en-US" sz="2200" dirty="0">
                 <a:solidFill>
                   <a:srgbClr val="00B050"/>
                 </a:solidFill>
               </a:rPr>
-              <a:t>avail</a:t>
-            </a:r>
-            <a:r>
-              <a:rPr lang="en-CA" altLang="en-US" sz="2200" dirty="0" smtClean="0">
-                <a:solidFill>
-                  <a:srgbClr val="00B050"/>
-                </a:solidFill>
-              </a:rPr>
-              <a:t>(‘</a:t>
-            </a:r>
-            <a:r>
-              <a:rPr lang="en-CA" altLang="en-US" sz="2200" dirty="0" err="1" smtClean="0">
+              <a:t>avail(‘</a:t>
+            </a:r>
+            <a:r>
+              <a:rPr lang="en-CA" altLang="en-US" sz="2200" dirty="0" err="1">
                 <a:solidFill>
                   <a:srgbClr val="00B050"/>
                 </a:solidFill>
@@ -14903,18 +14719,13 @@
               <a:t>Obs</a:t>
             </a:r>
             <a:r>
-              <a:rPr lang="en-CA" altLang="en-US" sz="2200" dirty="0" smtClean="0">
+              <a:rPr lang="en-CA" altLang="en-US" sz="2200" dirty="0">
                 <a:solidFill>
                   <a:srgbClr val="00B050"/>
                 </a:solidFill>
               </a:rPr>
               <a:t>’)</a:t>
             </a:r>
-            <a:endParaRPr lang="en-CA" altLang="en-US" sz="2200" dirty="0" smtClean="0">
-              <a:solidFill>
-                <a:srgbClr val="00B050"/>
-              </a:solidFill>
-            </a:endParaRPr>
           </a:p>
           <a:p>
             <a:pPr marL="0" indent="0" eaLnBrk="1" hangingPunct="1">
@@ -14925,42 +14736,13 @@
               <a:buNone/>
             </a:pPr>
             <a:r>
-              <a:rPr lang="en-CA" altLang="en-US" sz="2200" dirty="0" smtClean="0">
+              <a:rPr lang="en-CA" altLang="en-US" sz="2200" dirty="0">
                 <a:solidFill>
                   <a:srgbClr val="00B050"/>
                 </a:solidFill>
               </a:rPr>
-              <a:t>avail </a:t>
-            </a:r>
-            <a:r>
-              <a:rPr lang="en-CA" altLang="en-US" sz="2200" dirty="0" smtClean="0">
-                <a:solidFill>
-                  <a:srgbClr val="00B050"/>
-                </a:solidFill>
-              </a:rPr>
-              <a:t>(‘</a:t>
-            </a:r>
-            <a:r>
-              <a:rPr lang="en-CA" altLang="en-US" sz="2200" dirty="0" smtClean="0">
-                <a:solidFill>
-                  <a:srgbClr val="00B050"/>
-                </a:solidFill>
-              </a:rPr>
-              <a:t>Imp</a:t>
-            </a:r>
-            <a:r>
-              <a:rPr lang="en-CA" altLang="en-US" sz="2200" dirty="0" smtClean="0">
-                <a:solidFill>
-                  <a:srgbClr val="00B050"/>
-                </a:solidFill>
-              </a:rPr>
-              <a:t>’)</a:t>
-            </a:r>
-            <a:endParaRPr lang="en-CA" altLang="en-US" sz="2200" dirty="0" smtClean="0">
-              <a:solidFill>
-                <a:srgbClr val="00B050"/>
-              </a:solidFill>
-            </a:endParaRPr>
+              <a:t>avail (‘Imp’)</a:t>
+            </a:r>
           </a:p>
           <a:p>
             <a:pPr marL="0" indent="0" eaLnBrk="1" hangingPunct="1">
@@ -14971,7 +14753,7 @@
               <a:buNone/>
             </a:pPr>
             <a:r>
-              <a:rPr lang="en-CA" altLang="en-US" sz="2200" dirty="0" smtClean="0"/>
+              <a:rPr lang="en-CA" altLang="en-US" sz="2200" dirty="0"/>
               <a:t>Build an operating model:</a:t>
             </a:r>
           </a:p>
@@ -14984,7 +14766,7 @@
               <a:buNone/>
             </a:pPr>
             <a:r>
-              <a:rPr lang="en-CA" altLang="en-US" sz="2200" dirty="0" err="1" smtClean="0">
+              <a:rPr lang="en-CA" altLang="en-US" sz="2200" dirty="0" err="1">
                 <a:solidFill>
                   <a:srgbClr val="00B050"/>
                 </a:solidFill>
@@ -14992,20 +14774,12 @@
               <a:t>myOM</a:t>
             </a:r>
             <a:r>
-              <a:rPr lang="en-CA" altLang="en-US" sz="2200" dirty="0" smtClean="0">
+              <a:rPr lang="en-CA" altLang="en-US" sz="2200" dirty="0">
                 <a:solidFill>
                   <a:srgbClr val="00B050"/>
                 </a:solidFill>
               </a:rPr>
-              <a:t> = new( ‘</a:t>
-            </a:r>
-            <a:r>
-              <a:rPr lang="en-CA" altLang="en-US" sz="2200" dirty="0" smtClean="0">
-                <a:solidFill>
-                  <a:srgbClr val="00B050"/>
-                </a:solidFill>
-              </a:rPr>
-              <a:t>OM’, Albacore, </a:t>
+              <a:t> = new( ‘OM’, Rockfish, </a:t>
             </a:r>
           </a:p>
           <a:p>
@@ -15017,7 +14791,7 @@
               <a:buNone/>
             </a:pPr>
             <a:r>
-              <a:rPr lang="en-CA" altLang="en-US" sz="2200" dirty="0" smtClean="0">
+              <a:rPr lang="en-CA" altLang="en-US" sz="2200" dirty="0">
                 <a:solidFill>
                   <a:srgbClr val="00B050"/>
                 </a:solidFill>
@@ -15025,7 +14799,7 @@
               <a:t>			  </a:t>
             </a:r>
             <a:r>
-              <a:rPr lang="en-CA" altLang="en-US" sz="2200" dirty="0" err="1" smtClean="0">
+              <a:rPr lang="en-CA" altLang="en-US" sz="2200" dirty="0" err="1">
                 <a:solidFill>
                   <a:srgbClr val="00B050"/>
                 </a:solidFill>
@@ -15033,7 +14807,7 @@
               <a:t>Generic_fleet</a:t>
             </a:r>
             <a:r>
-              <a:rPr lang="en-CA" altLang="en-US" sz="2200" dirty="0" smtClean="0">
+              <a:rPr lang="en-CA" altLang="en-US" sz="2200" dirty="0">
                 <a:solidFill>
                   <a:srgbClr val="00B050"/>
                 </a:solidFill>
@@ -15050,7 +14824,7 @@
               <a:buNone/>
             </a:pPr>
             <a:r>
-              <a:rPr lang="en-CA" altLang="en-US" sz="2200" dirty="0" smtClean="0">
+              <a:rPr lang="en-CA" altLang="en-US" sz="2200" dirty="0">
                 <a:solidFill>
                   <a:srgbClr val="00B050"/>
                 </a:solidFill>
@@ -15058,7 +14832,7 @@
               <a:t>			  </a:t>
             </a:r>
             <a:r>
-              <a:rPr lang="en-CA" altLang="en-US" sz="2200" dirty="0" err="1" smtClean="0">
+              <a:rPr lang="en-CA" altLang="en-US" sz="2200" dirty="0" err="1">
                 <a:solidFill>
                   <a:srgbClr val="00B050"/>
                 </a:solidFill>
@@ -15066,7 +14840,7 @@
               <a:t>Generic_obs</a:t>
             </a:r>
             <a:r>
-              <a:rPr lang="en-CA" altLang="en-US" sz="2200" dirty="0" smtClean="0">
+              <a:rPr lang="en-CA" altLang="en-US" sz="2200" dirty="0">
                 <a:solidFill>
                   <a:srgbClr val="00B050"/>
                 </a:solidFill>
@@ -15083,7 +14857,7 @@
               <a:buNone/>
             </a:pPr>
             <a:r>
-              <a:rPr lang="en-CA" altLang="en-US" sz="2200" dirty="0" smtClean="0">
+              <a:rPr lang="en-CA" altLang="en-US" sz="2200" dirty="0">
                 <a:solidFill>
                   <a:srgbClr val="00B050"/>
                 </a:solidFill>
@@ -15091,7 +14865,7 @@
               <a:t>			  </a:t>
             </a:r>
             <a:r>
-              <a:rPr lang="en-CA" altLang="en-US" sz="2200" dirty="0" err="1" smtClean="0">
+              <a:rPr lang="en-CA" altLang="en-US" sz="2200" dirty="0" err="1">
                 <a:solidFill>
                   <a:srgbClr val="00B050"/>
                 </a:solidFill>
@@ -15099,18 +14873,30 @@
               <a:t>Perfect_Imp</a:t>
             </a:r>
             <a:r>
-              <a:rPr lang="en-CA" altLang="en-US" sz="2200" dirty="0" smtClean="0">
+              <a:rPr lang="en-CA" altLang="en-US" sz="2200" dirty="0">
                 <a:solidFill>
                   <a:srgbClr val="00B050"/>
                 </a:solidFill>
               </a:rPr>
               <a:t> )</a:t>
             </a:r>
-            <a:endParaRPr lang="en-CA" altLang="en-US" sz="2200" dirty="0" smtClean="0">
-              <a:solidFill>
-                <a:srgbClr val="00B050"/>
-              </a:solidFill>
-            </a:endParaRPr>
+          </a:p>
+          <a:p>
+            <a:pPr marL="0" indent="0" eaLnBrk="1" hangingPunct="1">
+              <a:spcBef>
+                <a:spcPts val="400"/>
+              </a:spcBef>
+              <a:buFont typeface="Arial" panose="020B0604020202020204" pitchFamily="34" charset="0"/>
+              <a:buNone/>
+            </a:pPr>
+            <a:r>
+              <a:rPr lang="en-CA" altLang="en-US" sz="2200" dirty="0">
+                <a:solidFill>
+                  <a:srgbClr val="00B050"/>
+                </a:solidFill>
+              </a:rPr>
+              <a:t>			</a:t>
+            </a:r>
           </a:p>
         </p:txBody>
       </p:sp>
@@ -15682,6 +15468,67 @@
                       </p:childTnLst>
                     </p:cTn>
                   </p:par>
+                  <p:par>
+                    <p:cTn id="34" fill="hold">
+                      <p:stCondLst>
+                        <p:cond delay="indefinite"/>
+                      </p:stCondLst>
+                      <p:childTnLst>
+                        <p:par>
+                          <p:cTn id="35" fill="hold">
+                            <p:stCondLst>
+                              <p:cond delay="0"/>
+                            </p:stCondLst>
+                            <p:childTnLst>
+                              <p:par>
+                                <p:cTn id="36" presetID="10" presetClass="entr" presetSubtype="0" fill="hold" nodeType="clickEffect">
+                                  <p:stCondLst>
+                                    <p:cond delay="0"/>
+                                  </p:stCondLst>
+                                  <p:childTnLst>
+                                    <p:set>
+                                      <p:cBhvr>
+                                        <p:cTn id="37" dur="1" fill="hold">
+                                          <p:stCondLst>
+                                            <p:cond delay="0"/>
+                                          </p:stCondLst>
+                                        </p:cTn>
+                                        <p:tgtEl>
+                                          <p:spTgt spid="24579">
+                                            <p:txEl>
+                                              <p:pRg st="10" end="10"/>
+                                            </p:txEl>
+                                          </p:spTgt>
+                                        </p:tgtEl>
+                                        <p:attrNameLst>
+                                          <p:attrName>style.visibility</p:attrName>
+                                        </p:attrNameLst>
+                                      </p:cBhvr>
+                                      <p:to>
+                                        <p:strVal val="visible"/>
+                                      </p:to>
+                                    </p:set>
+                                    <p:animEffect transition="in" filter="fade">
+                                      <p:cBhvr>
+                                        <p:cTn id="38" dur="500"/>
+                                        <p:tgtEl>
+                                          <p:spTgt spid="24579">
+                                            <p:txEl>
+                                              <p:pRg st="10" end="10"/>
+                                            </p:txEl>
+                                          </p:spTgt>
+                                        </p:tgtEl>
+                                      </p:cBhvr>
+                                    </p:animEffect>
+                                  </p:childTnLst>
+                                </p:cTn>
+                              </p:par>
+                            </p:childTnLst>
+                          </p:cTn>
+                        </p:par>
+                      </p:childTnLst>
+                    </p:cTn>
+                  </p:par>
                 </p:childTnLst>
               </p:cTn>
               <p:prevCondLst>
@@ -15746,7 +15593,7 @@
           <a:p>
             <a:pPr eaLnBrk="1" hangingPunct="1"/>
             <a:r>
-              <a:rPr lang="en-CA" altLang="en-US" sz="2600" dirty="0" smtClean="0"/>
+              <a:rPr lang="en-CA" altLang="en-US" sz="2600" dirty="0"/>
               <a:t>3. Once an operating model is built it can be visualized:</a:t>
             </a:r>
           </a:p>
@@ -15780,7 +15627,7 @@
               <a:buNone/>
             </a:pPr>
             <a:r>
-              <a:rPr lang="en-CA" altLang="en-US" dirty="0" smtClean="0">
+              <a:rPr lang="en-CA" altLang="en-US" dirty="0">
                 <a:solidFill>
                   <a:srgbClr val="00B050"/>
                 </a:solidFill>
@@ -15788,7 +15635,7 @@
               <a:t>plot(</a:t>
             </a:r>
             <a:r>
-              <a:rPr lang="en-CA" altLang="en-US" dirty="0" err="1" smtClean="0">
+              <a:rPr lang="en-CA" altLang="en-US" dirty="0" err="1">
                 <a:solidFill>
                   <a:srgbClr val="00B050"/>
                 </a:solidFill>
@@ -15796,7 +15643,7 @@
               <a:t>myOM</a:t>
             </a:r>
             <a:r>
-              <a:rPr lang="en-CA" altLang="en-US" dirty="0" smtClean="0">
+              <a:rPr lang="en-CA" altLang="en-US" dirty="0">
                 <a:solidFill>
                   <a:srgbClr val="00B050"/>
                 </a:solidFill>
@@ -15812,7 +15659,7 @@
               <a:buFont typeface="Arial" panose="020B0604020202020204" pitchFamily="34" charset="0"/>
               <a:buNone/>
             </a:pPr>
-            <a:endParaRPr lang="en-CA" altLang="en-US" dirty="0" smtClean="0">
+            <a:endParaRPr lang="en-CA" altLang="en-US" dirty="0">
               <a:solidFill>
                 <a:srgbClr val="00B050"/>
               </a:solidFill>
@@ -15826,7 +15673,7 @@
               <a:buFont typeface="Arial" panose="020B0604020202020204" pitchFamily="34" charset="0"/>
               <a:buNone/>
             </a:pPr>
-            <a:endParaRPr lang="en-CA" altLang="en-US" dirty="0" smtClean="0">
+            <a:endParaRPr lang="en-CA" altLang="en-US" dirty="0">
               <a:solidFill>
                 <a:srgbClr val="00B050"/>
               </a:solidFill>
@@ -15840,7 +15687,7 @@
               <a:buFont typeface="Arial" panose="020B0604020202020204" pitchFamily="34" charset="0"/>
               <a:buNone/>
             </a:pPr>
-            <a:endParaRPr lang="en-CA" altLang="en-US" dirty="0" smtClean="0">
+            <a:endParaRPr lang="en-CA" altLang="en-US" dirty="0">
               <a:solidFill>
                 <a:srgbClr val="00B050"/>
               </a:solidFill>
@@ -15854,7 +15701,7 @@
               <a:buFont typeface="Arial" panose="020B0604020202020204" pitchFamily="34" charset="0"/>
               <a:buNone/>
             </a:pPr>
-            <a:endParaRPr lang="en-CA" altLang="en-US" dirty="0" smtClean="0">
+            <a:endParaRPr lang="en-CA" altLang="en-US" dirty="0">
               <a:solidFill>
                 <a:srgbClr val="00B050"/>
               </a:solidFill>
@@ -15868,7 +15715,7 @@
               <a:buFont typeface="Arial" panose="020B0604020202020204" pitchFamily="34" charset="0"/>
               <a:buNone/>
             </a:pPr>
-            <a:endParaRPr lang="en-CA" altLang="en-US" dirty="0" smtClean="0">
+            <a:endParaRPr lang="en-CA" altLang="en-US" dirty="0">
               <a:solidFill>
                 <a:srgbClr val="00B050"/>
               </a:solidFill>
@@ -15882,7 +15729,7 @@
               <a:buFont typeface="Arial" panose="020B0604020202020204" pitchFamily="34" charset="0"/>
               <a:buNone/>
             </a:pPr>
-            <a:endParaRPr lang="en-CA" altLang="en-US" dirty="0" smtClean="0">
+            <a:endParaRPr lang="en-CA" altLang="en-US" dirty="0">
               <a:solidFill>
                 <a:srgbClr val="00B050"/>
               </a:solidFill>
@@ -15896,7 +15743,7 @@
               <a:buFont typeface="Arial" panose="020B0604020202020204" pitchFamily="34" charset="0"/>
               <a:buNone/>
             </a:pPr>
-            <a:endParaRPr lang="en-CA" altLang="en-US" dirty="0" smtClean="0">
+            <a:endParaRPr lang="en-CA" altLang="en-US" dirty="0">
               <a:solidFill>
                 <a:srgbClr val="00B050"/>
               </a:solidFill>
@@ -15910,7 +15757,7 @@
               <a:buFont typeface="Arial" panose="020B0604020202020204" pitchFamily="34" charset="0"/>
               <a:buNone/>
             </a:pPr>
-            <a:endParaRPr lang="en-CA" altLang="en-US" dirty="0" smtClean="0">
+            <a:endParaRPr lang="en-CA" altLang="en-US" dirty="0">
               <a:solidFill>
                 <a:srgbClr val="00B050"/>
               </a:solidFill>
@@ -15924,7 +15771,7 @@
               <a:buFont typeface="Arial" panose="020B0604020202020204" pitchFamily="34" charset="0"/>
               <a:buNone/>
             </a:pPr>
-            <a:endParaRPr lang="en-CA" altLang="en-US" dirty="0" smtClean="0">
+            <a:endParaRPr lang="en-CA" altLang="en-US" dirty="0">
               <a:solidFill>
                 <a:srgbClr val="00B050"/>
               </a:solidFill>
@@ -15938,7 +15785,7 @@
               <a:buFont typeface="Arial" panose="020B0604020202020204" pitchFamily="34" charset="0"/>
               <a:buNone/>
             </a:pPr>
-            <a:endParaRPr lang="en-CA" altLang="en-US" sz="3400" dirty="0" smtClean="0">
+            <a:endParaRPr lang="en-CA" altLang="en-US" sz="3400" dirty="0">
               <a:solidFill>
                 <a:srgbClr val="00B050"/>
               </a:solidFill>
@@ -15952,11 +15799,67 @@
               <a:buFont typeface="Arial" panose="020B0604020202020204" pitchFamily="34" charset="0"/>
               <a:buNone/>
             </a:pPr>
-            <a:endParaRPr lang="en-CA" altLang="en-US" dirty="0" smtClean="0">
+            <a:endParaRPr lang="en-CA" altLang="en-US" dirty="0">
               <a:solidFill>
                 <a:srgbClr val="00B050"/>
               </a:solidFill>
             </a:endParaRPr>
+          </a:p>
+          <a:p>
+            <a:pPr marL="0" indent="0" eaLnBrk="1" hangingPunct="1">
+              <a:spcBef>
+                <a:spcPts val="400"/>
+              </a:spcBef>
+              <a:buNone/>
+            </a:pPr>
+            <a:r>
+              <a:rPr lang="en-CA" altLang="en-US" dirty="0" err="1">
+                <a:solidFill>
+                  <a:srgbClr val="00B050"/>
+                </a:solidFill>
+              </a:rPr>
+              <a:t>myMSE</a:t>
+            </a:r>
+            <a:r>
+              <a:rPr lang="en-CA" altLang="en-US" dirty="0">
+                <a:solidFill>
+                  <a:srgbClr val="00B050"/>
+                </a:solidFill>
+              </a:rPr>
+              <a:t> = </a:t>
+            </a:r>
+            <a:r>
+              <a:rPr lang="en-CA" altLang="en-US" dirty="0" err="1">
+                <a:solidFill>
+                  <a:srgbClr val="00B050"/>
+                </a:solidFill>
+              </a:rPr>
+              <a:t>runMSE</a:t>
+            </a:r>
+            <a:r>
+              <a:rPr lang="en-CA" altLang="en-US" dirty="0">
+                <a:solidFill>
+                  <a:srgbClr val="00B050"/>
+                </a:solidFill>
+              </a:rPr>
+              <a:t>( </a:t>
+            </a:r>
+            <a:r>
+              <a:rPr lang="en-CA" altLang="en-US" dirty="0" err="1">
+                <a:solidFill>
+                  <a:srgbClr val="00B050"/>
+                </a:solidFill>
+              </a:rPr>
+              <a:t>myOM</a:t>
+            </a:r>
+            <a:r>
+              <a:rPr lang="en-CA" altLang="en-US" dirty="0">
+                <a:solidFill>
+                  <a:srgbClr val="00B050"/>
+                </a:solidFill>
+              </a:rPr>
+              <a:t>, MPs = c(‘DCAC’ , ’DBSRA’) )</a:t>
+            </a:r>
           </a:p>
           <a:p>
             <a:pPr marL="0" indent="0" eaLnBrk="1" hangingPunct="1">
@@ -15966,64 +15869,7 @@
               <a:buFont typeface="Arial" panose="020B0604020202020204" pitchFamily="34" charset="0"/>
               <a:buNone/>
             </a:pPr>
-            <a:r>
-              <a:rPr lang="en-CA" altLang="en-US" dirty="0" err="1" smtClean="0">
-                <a:solidFill>
-                  <a:srgbClr val="00B050"/>
-                </a:solidFill>
-              </a:rPr>
-              <a:t>myMSE</a:t>
-            </a:r>
-            <a:r>
-              <a:rPr lang="en-CA" altLang="en-US" dirty="0" smtClean="0">
-                <a:solidFill>
-                  <a:srgbClr val="00B050"/>
-                </a:solidFill>
-              </a:rPr>
-              <a:t>=</a:t>
-            </a:r>
-            <a:r>
-              <a:rPr lang="en-CA" altLang="en-US" dirty="0" err="1" smtClean="0">
-                <a:solidFill>
-                  <a:srgbClr val="00B050"/>
-                </a:solidFill>
-              </a:rPr>
-              <a:t>runMSE</a:t>
-            </a:r>
-            <a:r>
-              <a:rPr lang="en-CA" altLang="en-US" dirty="0" smtClean="0">
-                <a:solidFill>
-                  <a:srgbClr val="00B050"/>
-                </a:solidFill>
-              </a:rPr>
-              <a:t>(</a:t>
-            </a:r>
-            <a:r>
-              <a:rPr lang="en-CA" altLang="en-US" dirty="0" err="1" smtClean="0">
-                <a:solidFill>
-                  <a:srgbClr val="00B050"/>
-                </a:solidFill>
-              </a:rPr>
-              <a:t>myOM</a:t>
-            </a:r>
-            <a:r>
-              <a:rPr lang="en-CA" altLang="en-US" dirty="0" smtClean="0">
-                <a:solidFill>
-                  <a:srgbClr val="00B050"/>
-                </a:solidFill>
-              </a:rPr>
-              <a:t>)</a:t>
-            </a:r>
-          </a:p>
-          <a:p>
-            <a:pPr marL="0" indent="0" eaLnBrk="1" hangingPunct="1">
-              <a:spcBef>
-                <a:spcPts val="400"/>
-              </a:spcBef>
-              <a:buFont typeface="Arial" panose="020B0604020202020204" pitchFamily="34" charset="0"/>
-              <a:buNone/>
-            </a:pPr>
-            <a:endParaRPr lang="en-CA" altLang="en-US" dirty="0" smtClean="0">
+            <a:endParaRPr lang="en-CA" altLang="en-US" dirty="0">
               <a:solidFill>
                 <a:srgbClr val="00B050"/>
               </a:solidFill>
@@ -16264,18 +16110,13 @@
           <a:lstStyle/>
           <a:p>
             <a:r>
-              <a:rPr lang="en-CA" sz="1600" dirty="0" smtClean="0">
+              <a:rPr lang="en-CA" sz="1600" dirty="0">
                 <a:solidFill>
                   <a:schemeClr val="bg1"/>
                 </a:solidFill>
               </a:rPr>
               <a:t>Fishing effort trends</a:t>
             </a:r>
-            <a:endParaRPr lang="en-CA" sz="1600" dirty="0">
-              <a:solidFill>
-                <a:schemeClr val="bg1"/>
-              </a:solidFill>
-            </a:endParaRPr>
           </a:p>
         </p:txBody>
       </p:sp>
@@ -16302,18 +16143,13 @@
           <a:lstStyle/>
           <a:p>
             <a:r>
-              <a:rPr lang="en-CA" sz="1600" dirty="0" smtClean="0">
+              <a:rPr lang="en-CA" sz="1600" dirty="0">
                 <a:solidFill>
                   <a:schemeClr val="bg1"/>
                 </a:solidFill>
               </a:rPr>
               <a:t>Natural mortality rate trends</a:t>
             </a:r>
-            <a:endParaRPr lang="en-CA" sz="1600" dirty="0">
-              <a:solidFill>
-                <a:schemeClr val="bg1"/>
-              </a:solidFill>
-            </a:endParaRPr>
           </a:p>
         </p:txBody>
       </p:sp>
@@ -16340,18 +16176,13 @@
           <a:lstStyle/>
           <a:p>
             <a:r>
-              <a:rPr lang="en-CA" sz="1600" dirty="0" smtClean="0">
+              <a:rPr lang="en-CA" sz="1600" dirty="0">
                 <a:solidFill>
                   <a:schemeClr val="bg1"/>
                 </a:solidFill>
               </a:rPr>
               <a:t>Biomass trends</a:t>
             </a:r>
-            <a:endParaRPr lang="en-CA" sz="1600" dirty="0">
-              <a:solidFill>
-                <a:schemeClr val="bg1"/>
-              </a:solidFill>
-            </a:endParaRPr>
           </a:p>
         </p:txBody>
       </p:sp>
@@ -16378,18 +16209,13 @@
           <a:lstStyle/>
           <a:p>
             <a:r>
-              <a:rPr lang="en-CA" sz="1600" dirty="0" smtClean="0">
+              <a:rPr lang="en-CA" sz="1600" dirty="0">
                 <a:solidFill>
                   <a:schemeClr val="bg1"/>
                 </a:solidFill>
               </a:rPr>
               <a:t>Catch trends</a:t>
             </a:r>
-            <a:endParaRPr lang="en-CA" sz="1600" dirty="0">
-              <a:solidFill>
-                <a:schemeClr val="bg1"/>
-              </a:solidFill>
-            </a:endParaRPr>
           </a:p>
         </p:txBody>
       </p:sp>
@@ -16416,18 +16242,13 @@
           <a:lstStyle/>
           <a:p>
             <a:r>
-              <a:rPr lang="en-CA" sz="1600" dirty="0" smtClean="0">
+              <a:rPr lang="en-CA" sz="1600" dirty="0">
                 <a:solidFill>
                   <a:schemeClr val="bg1"/>
                 </a:solidFill>
               </a:rPr>
               <a:t>M/K ratio</a:t>
             </a:r>
-            <a:endParaRPr lang="en-CA" sz="1600" dirty="0">
-              <a:solidFill>
-                <a:schemeClr val="bg1"/>
-              </a:solidFill>
-            </a:endParaRPr>
           </a:p>
         </p:txBody>
       </p:sp>
@@ -16500,18 +16321,13 @@
           <a:lstStyle/>
           <a:p>
             <a:r>
-              <a:rPr lang="en-CA" sz="1600" dirty="0" smtClean="0">
+              <a:rPr lang="en-CA" sz="1600" dirty="0">
                 <a:solidFill>
                   <a:schemeClr val="bg1"/>
                 </a:solidFill>
               </a:rPr>
               <a:t>Growth</a:t>
             </a:r>
-            <a:endParaRPr lang="en-CA" sz="1600" dirty="0">
-              <a:solidFill>
-                <a:schemeClr val="bg1"/>
-              </a:solidFill>
-            </a:endParaRPr>
           </a:p>
         </p:txBody>
       </p:sp>
@@ -16520,13 +16336,6 @@
   <p:clrMapOvr>
     <a:masterClrMapping/>
   </p:clrMapOvr>
-  <p:timing>
-    <p:tnLst>
-      <p:par>
-        <p:cTn id="1" dur="indefinite" restart="never" nodeType="tmRoot"/>
-      </p:par>
-    </p:tnLst>
-  </p:timing>
 </p:sld>
 </file>
 
@@ -16622,7 +16431,7 @@
           <a:lstStyle/>
           <a:p>
             <a:r>
-              <a:rPr lang="en-CA" altLang="en-US" sz="2600" smtClean="0"/>
+              <a:rPr lang="en-CA" altLang="en-US" sz="2600"/>
               <a:t>5. What occurred in the MSE runs can be visualized:</a:t>
             </a:r>
           </a:p>
@@ -16653,7 +16462,7 @@
               <a:buNone/>
             </a:pPr>
             <a:r>
-              <a:rPr lang="en-CA" altLang="en-US" dirty="0" smtClean="0">
+              <a:rPr lang="en-CA" altLang="en-US" dirty="0">
                 <a:solidFill>
                   <a:srgbClr val="00B050"/>
                 </a:solidFill>
@@ -16661,7 +16470,7 @@
               <a:t>plot(</a:t>
             </a:r>
             <a:r>
-              <a:rPr lang="en-CA" altLang="en-US" dirty="0" err="1" smtClean="0">
+              <a:rPr lang="en-CA" altLang="en-US" dirty="0" err="1">
                 <a:solidFill>
                   <a:srgbClr val="00B050"/>
                 </a:solidFill>
@@ -16669,7 +16478,7 @@
               <a:t>myMSE</a:t>
             </a:r>
             <a:r>
-              <a:rPr lang="en-CA" altLang="en-US" dirty="0" smtClean="0">
+              <a:rPr lang="en-CA" altLang="en-US" dirty="0">
                 <a:solidFill>
                   <a:srgbClr val="00B050"/>
                 </a:solidFill>
@@ -16682,7 +16491,7 @@
               <a:buFont typeface="Arial" panose="020B0604020202020204" pitchFamily="34" charset="0"/>
               <a:buNone/>
             </a:pPr>
-            <a:endParaRPr lang="en-CA" altLang="en-US" dirty="0" smtClean="0">
+            <a:endParaRPr lang="en-CA" altLang="en-US" dirty="0">
               <a:solidFill>
                 <a:srgbClr val="00B050"/>
               </a:solidFill>
@@ -16693,7 +16502,7 @@
               <a:buFont typeface="Arial" panose="020B0604020202020204" pitchFamily="34" charset="0"/>
               <a:buNone/>
             </a:pPr>
-            <a:endParaRPr lang="en-CA" altLang="en-US" dirty="0" smtClean="0">
+            <a:endParaRPr lang="en-CA" altLang="en-US" dirty="0">
               <a:solidFill>
                 <a:srgbClr val="00B050"/>
               </a:solidFill>
@@ -16860,21 +16669,8 @@
                   <a:srgbClr val="27AFE5"/>
                 </a:solidFill>
               </a:rPr>
-              <a:t>6. </a:t>
-            </a:r>
-            <a:r>
-              <a:rPr lang="en-CA" altLang="en-US" sz="2600" dirty="0" smtClean="0">
-                <a:solidFill>
-                  <a:srgbClr val="27AFE5"/>
-                </a:solidFill>
-              </a:rPr>
-              <a:t>Performance </a:t>
-            </a:r>
-            <a:endParaRPr lang="en-CA" altLang="en-US" sz="2600" dirty="0">
-              <a:solidFill>
-                <a:srgbClr val="27AFE5"/>
-              </a:solidFill>
-            </a:endParaRPr>
+              <a:t>6. Performance </a:t>
+            </a:r>
           </a:p>
           <a:p>
             <a:pPr eaLnBrk="1" hangingPunct="1"/>
@@ -17174,7 +16970,7 @@
               <a:buNone/>
             </a:pPr>
             <a:r>
-              <a:rPr lang="en-CA" altLang="en-US" dirty="0" err="1" smtClean="0">
+              <a:rPr lang="en-CA" altLang="en-US" dirty="0" err="1">
                 <a:solidFill>
                   <a:srgbClr val="00B050"/>
                 </a:solidFill>
@@ -17182,7 +16978,7 @@
               <a:t>Kplot</a:t>
             </a:r>
             <a:r>
-              <a:rPr lang="en-CA" altLang="en-US" dirty="0" smtClean="0">
+              <a:rPr lang="en-CA" altLang="en-US" dirty="0">
                 <a:solidFill>
                   <a:srgbClr val="00B050"/>
                 </a:solidFill>
@@ -17190,7 +16986,7 @@
               <a:t>(</a:t>
             </a:r>
             <a:r>
-              <a:rPr lang="en-CA" altLang="en-US" dirty="0" err="1" smtClean="0">
+              <a:rPr lang="en-CA" altLang="en-US" dirty="0" err="1">
                 <a:solidFill>
                   <a:srgbClr val="00B050"/>
                 </a:solidFill>
@@ -17198,7 +16994,7 @@
               <a:t>myMSE</a:t>
             </a:r>
             <a:r>
-              <a:rPr lang="en-CA" altLang="en-US" dirty="0" smtClean="0">
+              <a:rPr lang="en-CA" altLang="en-US" dirty="0">
                 <a:solidFill>
                   <a:srgbClr val="00B050"/>
                 </a:solidFill>
@@ -17211,7 +17007,7 @@
               <a:buFont typeface="Arial" panose="020B0604020202020204" pitchFamily="34" charset="0"/>
               <a:buNone/>
             </a:pPr>
-            <a:endParaRPr lang="en-CA" altLang="en-US" dirty="0" smtClean="0">
+            <a:endParaRPr lang="en-CA" altLang="en-US" dirty="0">
               <a:solidFill>
                 <a:srgbClr val="00B050"/>
               </a:solidFill>
@@ -17222,7 +17018,7 @@
               <a:buFont typeface="Arial" panose="020B0604020202020204" pitchFamily="34" charset="0"/>
               <a:buNone/>
             </a:pPr>
-            <a:endParaRPr lang="en-CA" altLang="en-US" dirty="0" smtClean="0">
+            <a:endParaRPr lang="en-CA" altLang="en-US" dirty="0">
               <a:solidFill>
                 <a:srgbClr val="00B050"/>
               </a:solidFill>
@@ -17235,13 +17031,6 @@
   <p:clrMapOvr>
     <a:masterClrMapping/>
   </p:clrMapOvr>
-  <p:timing>
-    <p:tnLst>
-      <p:par>
-        <p:cTn id="1" dur="indefinite" restart="never" nodeType="tmRoot"/>
-      </p:par>
-    </p:tnLst>
-  </p:timing>
 </p:sld>
 </file>
 
@@ -17272,14 +17061,19 @@
             <p:ph type="title"/>
           </p:nvPr>
         </p:nvSpPr>
-        <p:spPr/>
+        <p:spPr>
+          <a:xfrm>
+            <a:off x="628649" y="244450"/>
+            <a:ext cx="7886700" cy="1325563"/>
+          </a:xfrm>
+        </p:spPr>
         <p:txBody>
           <a:bodyPr/>
           <a:lstStyle/>
           <a:p>
             <a:r>
-              <a:rPr lang="en-CA" altLang="en-US" sz="2600" dirty="0" smtClean="0"/>
-              <a:t>7. And management trade-offs revealed</a:t>
+              <a:rPr lang="en-CA" altLang="en-US" sz="2600" dirty="0"/>
+              <a:t>7. And performance trade-offs revealed</a:t>
             </a:r>
           </a:p>
         </p:txBody>
@@ -17296,7 +17090,7 @@
         </p:nvSpPr>
         <p:spPr>
           <a:xfrm>
-            <a:off x="804863" y="1563688"/>
+            <a:off x="734218" y="1367210"/>
             <a:ext cx="7675562" cy="811212"/>
           </a:xfrm>
         </p:spPr>
@@ -17309,12 +17103,28 @@
               <a:buNone/>
             </a:pPr>
             <a:r>
-              <a:rPr lang="en-CA" altLang="en-US" smtClean="0">
+              <a:rPr lang="en-CA" altLang="en-US" dirty="0">
                 <a:solidFill>
                   <a:srgbClr val="00B050"/>
                 </a:solidFill>
               </a:rPr>
-              <a:t>NOAA_plot(myMSE)</a:t>
+              <a:t>Tplot2(</a:t>
+            </a:r>
+            <a:r>
+              <a:rPr lang="en-CA" altLang="en-US" dirty="0" err="1">
+                <a:solidFill>
+                  <a:srgbClr val="00B050"/>
+                </a:solidFill>
+              </a:rPr>
+              <a:t>myMSE</a:t>
+            </a:r>
+            <a:r>
+              <a:rPr lang="en-CA" altLang="en-US" dirty="0">
+                <a:solidFill>
+                  <a:srgbClr val="00B050"/>
+                </a:solidFill>
+              </a:rPr>
+              <a:t>)</a:t>
             </a:r>
           </a:p>
           <a:p>
@@ -17322,7 +17132,7 @@
               <a:buFont typeface="Arial" panose="020B0604020202020204" pitchFamily="34" charset="0"/>
               <a:buNone/>
             </a:pPr>
-            <a:endParaRPr lang="en-CA" altLang="en-US" smtClean="0">
+            <a:endParaRPr lang="en-CA" altLang="en-US" dirty="0">
               <a:solidFill>
                 <a:srgbClr val="00B050"/>
               </a:solidFill>
@@ -17333,7 +17143,7 @@
               <a:buFont typeface="Arial" panose="020B0604020202020204" pitchFamily="34" charset="0"/>
               <a:buNone/>
             </a:pPr>
-            <a:endParaRPr lang="en-CA" altLang="en-US" smtClean="0">
+            <a:endParaRPr lang="en-CA" altLang="en-US" dirty="0">
               <a:solidFill>
                 <a:srgbClr val="00B050"/>
               </a:solidFill>
@@ -17343,56 +17153,32 @@
       </p:sp>
       <p:pic>
         <p:nvPicPr>
-          <p:cNvPr id="27652" name="Picture 2"/>
+          <p:cNvPr id="3" name="Picture 2">
+            <a:extLst>
+              <a:ext uri="{FF2B5EF4-FFF2-40B4-BE49-F238E27FC236}">
+                <a16:creationId xmlns:a16="http://schemas.microsoft.com/office/drawing/2014/main" id="{25DC40E7-10A6-4A50-93D4-6C2DD0D8AD34}"/>
+              </a:ext>
+            </a:extLst>
+          </p:cNvPr>
           <p:cNvPicPr>
-            <a:picLocks noChangeAspect="1" noChangeArrowheads="1"/>
+            <a:picLocks noChangeAspect="1"/>
           </p:cNvPicPr>
           <p:nvPr/>
         </p:nvPicPr>
         <p:blipFill>
-          <a:blip r:embed="rId2">
-            <a:extLst>
-              <a:ext uri="{28A0092B-C50C-407E-A947-70E740481C1C}">
-                <a14:useLocalDpi xmlns:a14="http://schemas.microsoft.com/office/drawing/2010/main" val="0"/>
-              </a:ext>
-            </a:extLst>
-          </a:blip>
-          <a:srcRect l="8678" t="9526" r="212" b="15880"/>
+          <a:blip r:embed="rId2"/>
           <a:stretch>
             <a:fillRect/>
           </a:stretch>
         </p:blipFill>
-        <p:spPr bwMode="auto">
+        <p:spPr>
           <a:xfrm>
-            <a:off x="1043608" y="2636912"/>
-            <a:ext cx="7608888" cy="3165475"/>
+            <a:off x="179512" y="1772816"/>
+            <a:ext cx="8252335" cy="4695105"/>
           </a:xfrm>
           <a:prstGeom prst="rect">
             <a:avLst/>
           </a:prstGeom>
-          <a:noFill/>
-          <a:ln>
-            <a:noFill/>
-          </a:ln>
-          <a:extLst>
-            <a:ext uri="{909E8E84-426E-40DD-AFC4-6F175D3DCCD1}">
-              <a14:hiddenFill xmlns:a14="http://schemas.microsoft.com/office/drawing/2010/main">
-                <a:solidFill>
-                  <a:schemeClr val="accent1"/>
-                </a:solidFill>
-              </a14:hiddenFill>
-            </a:ext>
-            <a:ext uri="{91240B29-F687-4F45-9708-019B960494DF}">
-              <a14:hiddenLine xmlns:a14="http://schemas.microsoft.com/office/drawing/2010/main" w="9525">
-                <a:solidFill>
-                  <a:schemeClr val="tx1"/>
-                </a:solidFill>
-                <a:miter lim="800000"/>
-                <a:headEnd/>
-                <a:tailEnd/>
-              </a14:hiddenLine>
-            </a:ext>
-          </a:extLst>
         </p:spPr>
       </p:pic>
     </p:spTree>
@@ -17400,13 +17186,6 @@
   <p:clrMapOvr>
     <a:masterClrMapping/>
   </p:clrMapOvr>
-  <p:timing>
-    <p:tnLst>
-      <p:par>
-        <p:cTn id="1" dur="indefinite" restart="never" nodeType="tmRoot"/>
-      </p:par>
-    </p:tnLst>
-  </p:timing>
 </p:sld>
 </file>
 
@@ -17665,7 +17444,7 @@
   <a:extraClrSchemeLst/>
   <a:extLst>
     <a:ext uri="{05A4C25C-085E-4340-85A3-A5531E510DB2}">
-      <thm15:themeFamily xmlns="" xmlns:thm15="http://schemas.microsoft.com/office/thememl/2012/main" name="Depth" id="{7BEAFC2A-325C-49C4-AC08-2B765DA903F9}" vid="{1735E755-43E6-43AA-ABA2-C989ECC79AF5}"/>
+      <thm15:themeFamily xmlns:thm15="http://schemas.microsoft.com/office/thememl/2012/main" name="Depth" id="{7BEAFC2A-325C-49C4-AC08-2B765DA903F9}" vid="{1735E755-43E6-43AA-ABA2-C989ECC79AF5}"/>
     </a:ext>
   </a:extLst>
 </a:theme>

--- a/Disused code/Misc/DLM_DFO/Lectures/2 Running DLMtool/L2b Simple run of DLMtool.pptx
+++ b/Disused code/Misc/DLM_DFO/Lectures/2 Running DLMtool/L2b Simple run of DLMtool.pptx
@@ -269,7 +269,7 @@
               <a:pPr>
                 <a:defRPr/>
               </a:pPr>
-              <a:t>2017-10-18</a:t>
+              <a:t>2017-10-23</a:t>
             </a:fld>
             <a:endParaRPr lang="en-CA"/>
           </a:p>
@@ -869,7 +869,7 @@
               <a:pPr>
                 <a:defRPr/>
               </a:pPr>
-              <a:t>10/18/2017</a:t>
+              <a:t>10/23/2017</a:t>
             </a:fld>
             <a:endParaRPr lang="en-US" dirty="0"/>
           </a:p>
@@ -1239,7 +1239,7 @@
               <a:pPr>
                 <a:defRPr/>
               </a:pPr>
-              <a:t>10/18/2017</a:t>
+              <a:t>10/23/2017</a:t>
             </a:fld>
             <a:endParaRPr lang="en-US" dirty="0"/>
           </a:p>
@@ -1517,7 +1517,7 @@
               <a:pPr>
                 <a:defRPr/>
               </a:pPr>
-              <a:t>10/18/2017</a:t>
+              <a:t>10/23/2017</a:t>
             </a:fld>
             <a:endParaRPr lang="en-US" dirty="0"/>
           </a:p>
@@ -2106,7 +2106,7 @@
               <a:pPr>
                 <a:defRPr/>
               </a:pPr>
-              <a:t>10/18/2017</a:t>
+              <a:t>10/23/2017</a:t>
             </a:fld>
             <a:endParaRPr lang="en-US" dirty="0"/>
           </a:p>
@@ -2386,7 +2386,7 @@
               <a:pPr>
                 <a:defRPr/>
               </a:pPr>
-              <a:t>10/18/2017</a:t>
+              <a:t>10/23/2017</a:t>
             </a:fld>
             <a:endParaRPr lang="en-US" dirty="0"/>
           </a:p>
@@ -3014,7 +3014,7 @@
               <a:pPr>
                 <a:defRPr/>
               </a:pPr>
-              <a:t>10/18/2017</a:t>
+              <a:t>10/23/2017</a:t>
             </a:fld>
             <a:endParaRPr lang="en-US" dirty="0"/>
           </a:p>
@@ -3934,7 +3934,7 @@
               <a:pPr>
                 <a:defRPr/>
               </a:pPr>
-              <a:t>10/18/2017</a:t>
+              <a:t>10/23/2017</a:t>
             </a:fld>
             <a:endParaRPr lang="en-US" dirty="0"/>
           </a:p>
@@ -4190,7 +4190,7 @@
               <a:pPr>
                 <a:defRPr/>
               </a:pPr>
-              <a:t>10/18/2017</a:t>
+              <a:t>10/23/2017</a:t>
             </a:fld>
             <a:endParaRPr lang="en-US" dirty="0"/>
           </a:p>
@@ -4456,7 +4456,7 @@
               <a:pPr>
                 <a:defRPr/>
               </a:pPr>
-              <a:t>10/18/2017</a:t>
+              <a:t>10/23/2017</a:t>
             </a:fld>
             <a:endParaRPr lang="en-US" dirty="0"/>
           </a:p>
@@ -4717,7 +4717,7 @@
               <a:pPr>
                 <a:defRPr/>
               </a:pPr>
-              <a:t>10/18/2017</a:t>
+              <a:t>10/23/2017</a:t>
             </a:fld>
             <a:endParaRPr lang="en-US" dirty="0"/>
           </a:p>
@@ -4996,7 +4996,7 @@
               <a:pPr>
                 <a:defRPr/>
               </a:pPr>
-              <a:t>10/18/2017</a:t>
+              <a:t>10/23/2017</a:t>
             </a:fld>
             <a:endParaRPr lang="en-US" dirty="0"/>
           </a:p>
@@ -5250,7 +5250,7 @@
               <a:pPr>
                 <a:defRPr/>
               </a:pPr>
-              <a:t>10/18/2017</a:t>
+              <a:t>10/23/2017</a:t>
             </a:fld>
             <a:endParaRPr lang="en-US" dirty="0"/>
           </a:p>
@@ -5665,7 +5665,7 @@
               <a:pPr>
                 <a:defRPr/>
               </a:pPr>
-              <a:t>10/18/2017</a:t>
+              <a:t>10/23/2017</a:t>
             </a:fld>
             <a:endParaRPr lang="en-US" dirty="0"/>
           </a:p>
@@ -5805,7 +5805,7 @@
               <a:pPr>
                 <a:defRPr/>
               </a:pPr>
-              <a:t>10/18/2017</a:t>
+              <a:t>10/23/2017</a:t>
             </a:fld>
             <a:endParaRPr lang="en-US" dirty="0"/>
           </a:p>
@@ -5922,7 +5922,7 @@
               <a:pPr>
                 <a:defRPr/>
               </a:pPr>
-              <a:t>10/18/2017</a:t>
+              <a:t>10/23/2017</a:t>
             </a:fld>
             <a:endParaRPr lang="en-US" dirty="0"/>
           </a:p>
@@ -6219,7 +6219,7 @@
               <a:pPr>
                 <a:defRPr/>
               </a:pPr>
-              <a:t>10/18/2017</a:t>
+              <a:t>10/23/2017</a:t>
             </a:fld>
             <a:endParaRPr lang="en-US" dirty="0"/>
           </a:p>
@@ -6527,7 +6527,7 @@
               <a:pPr>
                 <a:defRPr/>
               </a:pPr>
-              <a:t>10/18/2017</a:t>
+              <a:t>10/23/2017</a:t>
             </a:fld>
             <a:endParaRPr lang="en-US" dirty="0"/>
           </a:p>
@@ -6836,7 +6836,7 @@
               <a:pPr>
                 <a:defRPr/>
               </a:pPr>
-              <a:t>10/18/2017</a:t>
+              <a:t>10/23/2017</a:t>
             </a:fld>
             <a:endParaRPr lang="en-US" dirty="0"/>
           </a:p>
@@ -8617,7 +8617,7 @@
         <p:spPr>
           <a:xfrm>
             <a:off x="539750" y="1773238"/>
-            <a:ext cx="7675563" cy="2674937"/>
+            <a:ext cx="7848674" cy="2674937"/>
           </a:xfrm>
         </p:spPr>
         <p:txBody>
@@ -8653,7 +8653,7 @@
                   <a:srgbClr val="00B050"/>
                 </a:solidFill>
               </a:rPr>
-              <a:t>Generic_fleet</a:t>
+              <a:t>Generic_Fleet</a:t>
             </a:r>
             <a:r>
               <a:rPr lang="en-CA" altLang="en-US" dirty="0">
@@ -8669,7 +8669,7 @@
                   <a:srgbClr val="00B050"/>
                 </a:solidFill>
               </a:rPr>
-              <a:t>Generic_obs</a:t>
+              <a:t>Generic_Obs</a:t>
             </a:r>
             <a:r>
               <a:rPr lang="en-CA" altLang="en-US" dirty="0">
@@ -11095,9 +11095,8 @@
           <a:bodyPr/>
           <a:lstStyle/>
           <a:p>
-            <a:pPr eaLnBrk="1" hangingPunct="1">
-              <a:buFont typeface="Arial" charset="0"/>
-              <a:buChar char="•"/>
+            <a:pPr marL="0" indent="0" eaLnBrk="1" hangingPunct="1">
+              <a:buNone/>
               <a:defRPr/>
             </a:pPr>
             <a:r>
@@ -14804,7 +14803,7 @@
                   <a:srgbClr val="00B050"/>
                 </a:solidFill>
               </a:rPr>
-              <a:t>Generic_fleet</a:t>
+              <a:t>Generic_Fleet</a:t>
             </a:r>
             <a:r>
               <a:rPr lang="en-CA" altLang="en-US" sz="2200" dirty="0">
@@ -14837,7 +14836,7 @@
                   <a:srgbClr val="00B050"/>
                 </a:solidFill>
               </a:rPr>
-              <a:t>Generic_obs</a:t>
+              <a:t>Generic_Obs</a:t>
             </a:r>
             <a:r>
               <a:rPr lang="en-CA" altLang="en-US" sz="2200" dirty="0">
@@ -15454,67 +15453,6 @@
                                           <p:spTgt spid="24579">
                                             <p:txEl>
                                               <p:pRg st="9" end="9"/>
-                                            </p:txEl>
-                                          </p:spTgt>
-                                        </p:tgtEl>
-                                      </p:cBhvr>
-                                    </p:animEffect>
-                                  </p:childTnLst>
-                                </p:cTn>
-                              </p:par>
-                            </p:childTnLst>
-                          </p:cTn>
-                        </p:par>
-                      </p:childTnLst>
-                    </p:cTn>
-                  </p:par>
-                  <p:par>
-                    <p:cTn id="34" fill="hold">
-                      <p:stCondLst>
-                        <p:cond delay="indefinite"/>
-                      </p:stCondLst>
-                      <p:childTnLst>
-                        <p:par>
-                          <p:cTn id="35" fill="hold">
-                            <p:stCondLst>
-                              <p:cond delay="0"/>
-                            </p:stCondLst>
-                            <p:childTnLst>
-                              <p:par>
-                                <p:cTn id="36" presetID="10" presetClass="entr" presetSubtype="0" fill="hold" nodeType="clickEffect">
-                                  <p:stCondLst>
-                                    <p:cond delay="0"/>
-                                  </p:stCondLst>
-                                  <p:childTnLst>
-                                    <p:set>
-                                      <p:cBhvr>
-                                        <p:cTn id="37" dur="1" fill="hold">
-                                          <p:stCondLst>
-                                            <p:cond delay="0"/>
-                                          </p:stCondLst>
-                                        </p:cTn>
-                                        <p:tgtEl>
-                                          <p:spTgt spid="24579">
-                                            <p:txEl>
-                                              <p:pRg st="10" end="10"/>
-                                            </p:txEl>
-                                          </p:spTgt>
-                                        </p:tgtEl>
-                                        <p:attrNameLst>
-                                          <p:attrName>style.visibility</p:attrName>
-                                        </p:attrNameLst>
-                                      </p:cBhvr>
-                                      <p:to>
-                                        <p:strVal val="visible"/>
-                                      </p:to>
-                                    </p:set>
-                                    <p:animEffect transition="in" filter="fade">
-                                      <p:cBhvr>
-                                        <p:cTn id="38" dur="500"/>
-                                        <p:tgtEl>
-                                          <p:spTgt spid="24579">
-                                            <p:txEl>
-                                              <p:pRg st="10" end="10"/>
                                             </p:txEl>
                                           </p:spTgt>
                                         </p:tgtEl>

--- a/Disused code/Misc/DLM_DFO/Lectures/2 Running DLMtool/L2b Simple run of DLMtool.pptx
+++ b/Disused code/Misc/DLM_DFO/Lectures/2 Running DLMtool/L2b Simple run of DLMtool.pptx
@@ -269,7 +269,7 @@
               <a:pPr>
                 <a:defRPr/>
               </a:pPr>
-              <a:t>2017-10-23</a:t>
+              <a:t>2017-10-31</a:t>
             </a:fld>
             <a:endParaRPr lang="en-CA"/>
           </a:p>
@@ -869,7 +869,7 @@
               <a:pPr>
                 <a:defRPr/>
               </a:pPr>
-              <a:t>10/23/2017</a:t>
+              <a:t>10/31/2017</a:t>
             </a:fld>
             <a:endParaRPr lang="en-US" dirty="0"/>
           </a:p>
@@ -1239,7 +1239,7 @@
               <a:pPr>
                 <a:defRPr/>
               </a:pPr>
-              <a:t>10/23/2017</a:t>
+              <a:t>10/31/2017</a:t>
             </a:fld>
             <a:endParaRPr lang="en-US" dirty="0"/>
           </a:p>
@@ -1517,7 +1517,7 @@
               <a:pPr>
                 <a:defRPr/>
               </a:pPr>
-              <a:t>10/23/2017</a:t>
+              <a:t>10/31/2017</a:t>
             </a:fld>
             <a:endParaRPr lang="en-US" dirty="0"/>
           </a:p>
@@ -2106,7 +2106,7 @@
               <a:pPr>
                 <a:defRPr/>
               </a:pPr>
-              <a:t>10/23/2017</a:t>
+              <a:t>10/31/2017</a:t>
             </a:fld>
             <a:endParaRPr lang="en-US" dirty="0"/>
           </a:p>
@@ -2386,7 +2386,7 @@
               <a:pPr>
                 <a:defRPr/>
               </a:pPr>
-              <a:t>10/23/2017</a:t>
+              <a:t>10/31/2017</a:t>
             </a:fld>
             <a:endParaRPr lang="en-US" dirty="0"/>
           </a:p>
@@ -3014,7 +3014,7 @@
               <a:pPr>
                 <a:defRPr/>
               </a:pPr>
-              <a:t>10/23/2017</a:t>
+              <a:t>10/31/2017</a:t>
             </a:fld>
             <a:endParaRPr lang="en-US" dirty="0"/>
           </a:p>
@@ -3934,7 +3934,7 @@
               <a:pPr>
                 <a:defRPr/>
               </a:pPr>
-              <a:t>10/23/2017</a:t>
+              <a:t>10/31/2017</a:t>
             </a:fld>
             <a:endParaRPr lang="en-US" dirty="0"/>
           </a:p>
@@ -4190,7 +4190,7 @@
               <a:pPr>
                 <a:defRPr/>
               </a:pPr>
-              <a:t>10/23/2017</a:t>
+              <a:t>10/31/2017</a:t>
             </a:fld>
             <a:endParaRPr lang="en-US" dirty="0"/>
           </a:p>
@@ -4456,7 +4456,7 @@
               <a:pPr>
                 <a:defRPr/>
               </a:pPr>
-              <a:t>10/23/2017</a:t>
+              <a:t>10/31/2017</a:t>
             </a:fld>
             <a:endParaRPr lang="en-US" dirty="0"/>
           </a:p>
@@ -4717,7 +4717,7 @@
               <a:pPr>
                 <a:defRPr/>
               </a:pPr>
-              <a:t>10/23/2017</a:t>
+              <a:t>10/31/2017</a:t>
             </a:fld>
             <a:endParaRPr lang="en-US" dirty="0"/>
           </a:p>
@@ -4996,7 +4996,7 @@
               <a:pPr>
                 <a:defRPr/>
               </a:pPr>
-              <a:t>10/23/2017</a:t>
+              <a:t>10/31/2017</a:t>
             </a:fld>
             <a:endParaRPr lang="en-US" dirty="0"/>
           </a:p>
@@ -5250,7 +5250,7 @@
               <a:pPr>
                 <a:defRPr/>
               </a:pPr>
-              <a:t>10/23/2017</a:t>
+              <a:t>10/31/2017</a:t>
             </a:fld>
             <a:endParaRPr lang="en-US" dirty="0"/>
           </a:p>
@@ -5665,7 +5665,7 @@
               <a:pPr>
                 <a:defRPr/>
               </a:pPr>
-              <a:t>10/23/2017</a:t>
+              <a:t>10/31/2017</a:t>
             </a:fld>
             <a:endParaRPr lang="en-US" dirty="0"/>
           </a:p>
@@ -5805,7 +5805,7 @@
               <a:pPr>
                 <a:defRPr/>
               </a:pPr>
-              <a:t>10/23/2017</a:t>
+              <a:t>10/31/2017</a:t>
             </a:fld>
             <a:endParaRPr lang="en-US" dirty="0"/>
           </a:p>
@@ -5922,7 +5922,7 @@
               <a:pPr>
                 <a:defRPr/>
               </a:pPr>
-              <a:t>10/23/2017</a:t>
+              <a:t>10/31/2017</a:t>
             </a:fld>
             <a:endParaRPr lang="en-US" dirty="0"/>
           </a:p>
@@ -6219,7 +6219,7 @@
               <a:pPr>
                 <a:defRPr/>
               </a:pPr>
-              <a:t>10/23/2017</a:t>
+              <a:t>10/31/2017</a:t>
             </a:fld>
             <a:endParaRPr lang="en-US" dirty="0"/>
           </a:p>
@@ -6527,7 +6527,7 @@
               <a:pPr>
                 <a:defRPr/>
               </a:pPr>
-              <a:t>10/23/2017</a:t>
+              <a:t>10/31/2017</a:t>
             </a:fld>
             <a:endParaRPr lang="en-US" dirty="0"/>
           </a:p>
@@ -6836,7 +6836,7 @@
               <a:pPr>
                 <a:defRPr/>
               </a:pPr>
-              <a:t>10/23/2017</a:t>
+              <a:t>10/31/2017</a:t>
             </a:fld>
             <a:endParaRPr lang="en-US" dirty="0"/>
           </a:p>
@@ -7455,12 +7455,20 @@
               <a:defRPr/>
             </a:pPr>
             <a:r>
+              <a:rPr lang="en-US" sz="3600">
+                <a:solidFill>
+                  <a:srgbClr val="27AFE5"/>
+                </a:solidFill>
+              </a:rPr>
+              <a:t>Data-Limited Methods </a:t>
+            </a:r>
+            <a:r>
               <a:rPr lang="en-US" sz="3600" dirty="0">
                 <a:solidFill>
                   <a:srgbClr val="27AFE5"/>
                 </a:solidFill>
               </a:rPr>
-              <a:t>Data-Limited Fisheries Toolkit </a:t>
+              <a:t>Toolkit </a:t>
             </a:r>
           </a:p>
         </p:txBody>
